--- a/P&E/Final/ESTADÍSTICA - 04 - Medidas de Centralización y Dispersión.pptx
+++ b/P&E/Final/ESTADÍSTICA - 04 - Medidas de Centralización y Dispersión.pptx
@@ -157,6 +157,22 @@
       </a:defRPr>
     </a:lvl9pPr>
   </p:defaultTextStyle>
+  <p:extLst>
+    <p:ext uri="{EFAFB233-063F-42B5-8137-9DF3F51BA10A}">
+      <p15:sldGuideLst xmlns:p15="http://schemas.microsoft.com/office/powerpoint/2012/main">
+        <p15:guide id="1" orient="horz" pos="2160">
+          <p15:clr>
+            <a:srgbClr val="A4A3A4"/>
+          </p15:clr>
+        </p15:guide>
+        <p15:guide id="2" pos="2880">
+          <p15:clr>
+            <a:srgbClr val="A4A3A4"/>
+          </p15:clr>
+        </p15:guide>
+      </p15:sldGuideLst>
+    </p:ext>
+  </p:extLst>
 </p:presentation>
 </file>
 
@@ -1004,10 +1020,9 @@
         <a:lstStyle/>
         <a:p>
           <a:r>
-            <a:rPr lang="es-ES" dirty="0" smtClean="0"/>
+            <a:rPr lang="es-ES" dirty="0"/>
             <a:t>Centralización</a:t>
           </a:r>
-          <a:endParaRPr lang="es-ES" dirty="0"/>
         </a:p>
       </dgm:t>
     </dgm:pt>
@@ -1041,10 +1056,9 @@
         <a:lstStyle/>
         <a:p>
           <a:r>
-            <a:rPr lang="es-ES" dirty="0" smtClean="0"/>
+            <a:rPr lang="es-ES" dirty="0"/>
             <a:t>Media Aritmética</a:t>
           </a:r>
-          <a:endParaRPr lang="es-ES" dirty="0"/>
         </a:p>
       </dgm:t>
     </dgm:pt>
@@ -1078,10 +1092,9 @@
         <a:lstStyle/>
         <a:p>
           <a:r>
-            <a:rPr lang="es-ES" dirty="0" smtClean="0"/>
+            <a:rPr lang="es-ES" dirty="0"/>
             <a:t>Media Geométrica</a:t>
           </a:r>
-          <a:endParaRPr lang="es-ES" dirty="0"/>
         </a:p>
       </dgm:t>
     </dgm:pt>
@@ -1115,10 +1128,9 @@
         <a:lstStyle/>
         <a:p>
           <a:r>
-            <a:rPr lang="es-ES" dirty="0" smtClean="0"/>
+            <a:rPr lang="es-ES" dirty="0"/>
             <a:t>Media Ponderada</a:t>
           </a:r>
-          <a:endParaRPr lang="es-ES" dirty="0"/>
         </a:p>
       </dgm:t>
     </dgm:pt>
@@ -1152,10 +1164,9 @@
         <a:lstStyle/>
         <a:p>
           <a:r>
-            <a:rPr lang="es-ES" dirty="0" smtClean="0"/>
+            <a:rPr lang="es-ES" dirty="0"/>
             <a:t>Mediana</a:t>
           </a:r>
-          <a:endParaRPr lang="es-ES" dirty="0"/>
         </a:p>
       </dgm:t>
     </dgm:pt>
@@ -1189,10 +1200,9 @@
         <a:lstStyle/>
         <a:p>
           <a:r>
-            <a:rPr lang="es-ES" dirty="0" smtClean="0"/>
+            <a:rPr lang="es-ES" dirty="0"/>
             <a:t>Moda</a:t>
           </a:r>
-          <a:endParaRPr lang="es-ES" dirty="0"/>
         </a:p>
       </dgm:t>
     </dgm:pt>
@@ -1229,13 +1239,6 @@
         </dgm:presLayoutVars>
       </dgm:prSet>
       <dgm:spPr/>
-      <dgm:t>
-        <a:bodyPr/>
-        <a:lstStyle/>
-        <a:p>
-          <a:endParaRPr lang="es-ES"/>
-        </a:p>
-      </dgm:t>
     </dgm:pt>
     <dgm:pt modelId="{7A65A23E-D452-46BD-9A15-9D6E5B2DC46E}" type="pres">
       <dgm:prSet presAssocID="{B1040866-944D-420B-A016-DC8BD6B72044}" presName="root" presStyleCnt="0"/>
@@ -1248,24 +1251,10 @@
     <dgm:pt modelId="{24FF4215-AC78-4357-8ECF-81575DCA4C47}" type="pres">
       <dgm:prSet presAssocID="{B1040866-944D-420B-A016-DC8BD6B72044}" presName="rootText" presStyleLbl="node1" presStyleIdx="0" presStyleCnt="1" custScaleX="254505" custLinFactNeighborX="-16142"/>
       <dgm:spPr/>
-      <dgm:t>
-        <a:bodyPr/>
-        <a:lstStyle/>
-        <a:p>
-          <a:endParaRPr lang="es-ES"/>
-        </a:p>
-      </dgm:t>
     </dgm:pt>
     <dgm:pt modelId="{2CA68F6C-4D41-414B-8867-BC129F519D98}" type="pres">
       <dgm:prSet presAssocID="{B1040866-944D-420B-A016-DC8BD6B72044}" presName="rootConnector" presStyleLbl="node1" presStyleIdx="0" presStyleCnt="1"/>
       <dgm:spPr/>
-      <dgm:t>
-        <a:bodyPr/>
-        <a:lstStyle/>
-        <a:p>
-          <a:endParaRPr lang="es-ES"/>
-        </a:p>
-      </dgm:t>
     </dgm:pt>
     <dgm:pt modelId="{CF905BC5-75FF-4E13-9E55-B3A06C75FA92}" type="pres">
       <dgm:prSet presAssocID="{B1040866-944D-420B-A016-DC8BD6B72044}" presName="childShape" presStyleCnt="0"/>
@@ -1274,13 +1263,6 @@
     <dgm:pt modelId="{233A69AD-7316-4080-BDFF-AF7E7B75CBC0}" type="pres">
       <dgm:prSet presAssocID="{E884E088-7D1D-4DAA-82FB-B5BD8D881AB8}" presName="Name13" presStyleLbl="parChTrans1D2" presStyleIdx="0" presStyleCnt="5"/>
       <dgm:spPr/>
-      <dgm:t>
-        <a:bodyPr/>
-        <a:lstStyle/>
-        <a:p>
-          <a:endParaRPr lang="es-ES"/>
-        </a:p>
-      </dgm:t>
     </dgm:pt>
     <dgm:pt modelId="{134C588B-EAA2-43EB-B08D-BB4289FB28EC}" type="pres">
       <dgm:prSet presAssocID="{2214C00E-33CF-4453-85DA-A79B35BBB372}" presName="childText" presStyleLbl="bgAcc1" presStyleIdx="0" presStyleCnt="5" custScaleX="246564">
@@ -1289,24 +1271,10 @@
         </dgm:presLayoutVars>
       </dgm:prSet>
       <dgm:spPr/>
-      <dgm:t>
-        <a:bodyPr/>
-        <a:lstStyle/>
-        <a:p>
-          <a:endParaRPr lang="es-ES"/>
-        </a:p>
-      </dgm:t>
     </dgm:pt>
     <dgm:pt modelId="{DF6A92EE-E703-4CE0-8F1E-7698E62B9E68}" type="pres">
       <dgm:prSet presAssocID="{1957345A-3D59-416D-B8B4-8807779F165E}" presName="Name13" presStyleLbl="parChTrans1D2" presStyleIdx="1" presStyleCnt="5"/>
       <dgm:spPr/>
-      <dgm:t>
-        <a:bodyPr/>
-        <a:lstStyle/>
-        <a:p>
-          <a:endParaRPr lang="es-ES"/>
-        </a:p>
-      </dgm:t>
     </dgm:pt>
     <dgm:pt modelId="{5457A883-1706-4647-8AFF-A4B417B19500}" type="pres">
       <dgm:prSet presAssocID="{57CEFC56-1FF3-4955-A411-3A24A7D8F5D2}" presName="childText" presStyleLbl="bgAcc1" presStyleIdx="1" presStyleCnt="5" custScaleX="246564">
@@ -1315,24 +1283,10 @@
         </dgm:presLayoutVars>
       </dgm:prSet>
       <dgm:spPr/>
-      <dgm:t>
-        <a:bodyPr/>
-        <a:lstStyle/>
-        <a:p>
-          <a:endParaRPr lang="es-ES"/>
-        </a:p>
-      </dgm:t>
     </dgm:pt>
     <dgm:pt modelId="{20374C08-3E95-468D-BE60-020FBB2D318E}" type="pres">
       <dgm:prSet presAssocID="{BF994825-B02C-4C20-9260-541026FF9CA3}" presName="Name13" presStyleLbl="parChTrans1D2" presStyleIdx="2" presStyleCnt="5"/>
       <dgm:spPr/>
-      <dgm:t>
-        <a:bodyPr/>
-        <a:lstStyle/>
-        <a:p>
-          <a:endParaRPr lang="es-ES"/>
-        </a:p>
-      </dgm:t>
     </dgm:pt>
     <dgm:pt modelId="{52ED61E0-F85A-4B03-AAB4-B365BE93BF4C}" type="pres">
       <dgm:prSet presAssocID="{52D5BDF4-4577-4494-A7B0-325FA438352C}" presName="childText" presStyleLbl="bgAcc1" presStyleIdx="2" presStyleCnt="5" custScaleX="246564">
@@ -1341,24 +1295,10 @@
         </dgm:presLayoutVars>
       </dgm:prSet>
       <dgm:spPr/>
-      <dgm:t>
-        <a:bodyPr/>
-        <a:lstStyle/>
-        <a:p>
-          <a:endParaRPr lang="es-ES"/>
-        </a:p>
-      </dgm:t>
     </dgm:pt>
     <dgm:pt modelId="{4FC62323-2E2E-4D1F-935A-D597B3494CF7}" type="pres">
       <dgm:prSet presAssocID="{BFAAF7C4-099A-4486-A180-BC674362997B}" presName="Name13" presStyleLbl="parChTrans1D2" presStyleIdx="3" presStyleCnt="5"/>
       <dgm:spPr/>
-      <dgm:t>
-        <a:bodyPr/>
-        <a:lstStyle/>
-        <a:p>
-          <a:endParaRPr lang="es-ES"/>
-        </a:p>
-      </dgm:t>
     </dgm:pt>
     <dgm:pt modelId="{4E1C0622-81D8-4CD9-AF96-1A77DCEF7022}" type="pres">
       <dgm:prSet presAssocID="{11F56435-09A1-4FD6-BC65-6F10123F4120}" presName="childText" presStyleLbl="bgAcc1" presStyleIdx="3" presStyleCnt="5" custScaleX="246564">
@@ -1367,24 +1307,10 @@
         </dgm:presLayoutVars>
       </dgm:prSet>
       <dgm:spPr/>
-      <dgm:t>
-        <a:bodyPr/>
-        <a:lstStyle/>
-        <a:p>
-          <a:endParaRPr lang="es-ES"/>
-        </a:p>
-      </dgm:t>
     </dgm:pt>
     <dgm:pt modelId="{CBCBC795-00DB-43F9-A971-6C082CCB84F7}" type="pres">
       <dgm:prSet presAssocID="{CFA46BC7-DA68-435C-BFA3-F09CA604A56E}" presName="Name13" presStyleLbl="parChTrans1D2" presStyleIdx="4" presStyleCnt="5"/>
       <dgm:spPr/>
-      <dgm:t>
-        <a:bodyPr/>
-        <a:lstStyle/>
-        <a:p>
-          <a:endParaRPr lang="es-ES"/>
-        </a:p>
-      </dgm:t>
     </dgm:pt>
     <dgm:pt modelId="{846F9DB2-71F9-41EE-B79F-D800A4B708F0}" type="pres">
       <dgm:prSet presAssocID="{155688E5-9DDA-40BC-AF2D-B7A3C595C4E4}" presName="childText" presStyleLbl="bgAcc1" presStyleIdx="4" presStyleCnt="5" custScaleX="246564">
@@ -1393,35 +1319,28 @@
         </dgm:presLayoutVars>
       </dgm:prSet>
       <dgm:spPr/>
-      <dgm:t>
-        <a:bodyPr/>
-        <a:lstStyle/>
-        <a:p>
-          <a:endParaRPr lang="es-ES"/>
-        </a:p>
-      </dgm:t>
     </dgm:pt>
   </dgm:ptLst>
   <dgm:cxnLst>
+    <dgm:cxn modelId="{063A980E-7A09-469B-9258-533C30B9F8BA}" type="presOf" srcId="{57CEFC56-1FF3-4955-A411-3A24A7D8F5D2}" destId="{5457A883-1706-4647-8AFF-A4B417B19500}" srcOrd="0" destOrd="0" presId="urn:microsoft.com/office/officeart/2005/8/layout/hierarchy3"/>
+    <dgm:cxn modelId="{6B07061C-8D78-4346-9C9F-0D91DB31DEC6}" srcId="{B1040866-944D-420B-A016-DC8BD6B72044}" destId="{52D5BDF4-4577-4494-A7B0-325FA438352C}" srcOrd="2" destOrd="0" parTransId="{BF994825-B02C-4C20-9260-541026FF9CA3}" sibTransId="{42B69AAE-4F5B-4372-83A9-6FE9639BCC65}"/>
+    <dgm:cxn modelId="{5D6A3828-3A9B-4013-A661-15E5184A90FC}" type="presOf" srcId="{B1040866-944D-420B-A016-DC8BD6B72044}" destId="{24FF4215-AC78-4357-8ECF-81575DCA4C47}" srcOrd="0" destOrd="0" presId="urn:microsoft.com/office/officeart/2005/8/layout/hierarchy3"/>
+    <dgm:cxn modelId="{6F97AE38-2F23-44CB-82FF-5BC115D79865}" type="presOf" srcId="{CFA46BC7-DA68-435C-BFA3-F09CA604A56E}" destId="{CBCBC795-00DB-43F9-A971-6C082CCB84F7}" srcOrd="0" destOrd="0" presId="urn:microsoft.com/office/officeart/2005/8/layout/hierarchy3"/>
+    <dgm:cxn modelId="{6A00895E-E5C2-4C3D-8319-D944D4AEC4FB}" type="presOf" srcId="{6483FF6D-C851-408C-A2FB-788DAFEB6B36}" destId="{FC8E1CAD-9B0E-427E-AE11-0849D1E41138}" srcOrd="0" destOrd="0" presId="urn:microsoft.com/office/officeart/2005/8/layout/hierarchy3"/>
+    <dgm:cxn modelId="{0ACB9E61-E9F9-4D5D-BD86-121B005ADF23}" type="presOf" srcId="{1957345A-3D59-416D-B8B4-8807779F165E}" destId="{DF6A92EE-E703-4CE0-8F1E-7698E62B9E68}" srcOrd="0" destOrd="0" presId="urn:microsoft.com/office/officeart/2005/8/layout/hierarchy3"/>
     <dgm:cxn modelId="{E9E73452-F40B-4546-9505-24B789F5BE82}" type="presOf" srcId="{2214C00E-33CF-4453-85DA-A79B35BBB372}" destId="{134C588B-EAA2-43EB-B08D-BB4289FB28EC}" srcOrd="0" destOrd="0" presId="urn:microsoft.com/office/officeart/2005/8/layout/hierarchy3"/>
+    <dgm:cxn modelId="{713E6479-5872-4250-A8D2-81E6031643C0}" srcId="{6483FF6D-C851-408C-A2FB-788DAFEB6B36}" destId="{B1040866-944D-420B-A016-DC8BD6B72044}" srcOrd="0" destOrd="0" parTransId="{3F4E3CC0-DAF1-4A3D-9E85-0D752CAF9CFA}" sibTransId="{4860E933-1375-45D9-A6FE-F429D29CF473}"/>
+    <dgm:cxn modelId="{43D2F589-64EC-421B-A386-52C60571BB8B}" srcId="{B1040866-944D-420B-A016-DC8BD6B72044}" destId="{155688E5-9DDA-40BC-AF2D-B7A3C595C4E4}" srcOrd="4" destOrd="0" parTransId="{CFA46BC7-DA68-435C-BFA3-F09CA604A56E}" sibTransId="{7D86DA61-781D-4FD3-AFE8-004E51F6E1EE}"/>
+    <dgm:cxn modelId="{318AF695-F139-40F0-91C1-3CD1783FEE4B}" type="presOf" srcId="{155688E5-9DDA-40BC-AF2D-B7A3C595C4E4}" destId="{846F9DB2-71F9-41EE-B79F-D800A4B708F0}" srcOrd="0" destOrd="0" presId="urn:microsoft.com/office/officeart/2005/8/layout/hierarchy3"/>
+    <dgm:cxn modelId="{1A785B9C-925F-4707-A39F-3C4A306FECB4}" type="presOf" srcId="{BFAAF7C4-099A-4486-A180-BC674362997B}" destId="{4FC62323-2E2E-4D1F-935A-D597B3494CF7}" srcOrd="0" destOrd="0" presId="urn:microsoft.com/office/officeart/2005/8/layout/hierarchy3"/>
     <dgm:cxn modelId="{76C75DA1-C551-4227-8022-5E8ACEB494A8}" srcId="{B1040866-944D-420B-A016-DC8BD6B72044}" destId="{11F56435-09A1-4FD6-BC65-6F10123F4120}" srcOrd="3" destOrd="0" parTransId="{BFAAF7C4-099A-4486-A180-BC674362997B}" sibTransId="{D51B2EA0-0F83-4C89-A0A2-F84F42E5A058}"/>
-    <dgm:cxn modelId="{6A00895E-E5C2-4C3D-8319-D944D4AEC4FB}" type="presOf" srcId="{6483FF6D-C851-408C-A2FB-788DAFEB6B36}" destId="{FC8E1CAD-9B0E-427E-AE11-0849D1E41138}" srcOrd="0" destOrd="0" presId="urn:microsoft.com/office/officeart/2005/8/layout/hierarchy3"/>
-    <dgm:cxn modelId="{063A980E-7A09-469B-9258-533C30B9F8BA}" type="presOf" srcId="{57CEFC56-1FF3-4955-A411-3A24A7D8F5D2}" destId="{5457A883-1706-4647-8AFF-A4B417B19500}" srcOrd="0" destOrd="0" presId="urn:microsoft.com/office/officeart/2005/8/layout/hierarchy3"/>
-    <dgm:cxn modelId="{318AF695-F139-40F0-91C1-3CD1783FEE4B}" type="presOf" srcId="{155688E5-9DDA-40BC-AF2D-B7A3C595C4E4}" destId="{846F9DB2-71F9-41EE-B79F-D800A4B708F0}" srcOrd="0" destOrd="0" presId="urn:microsoft.com/office/officeart/2005/8/layout/hierarchy3"/>
-    <dgm:cxn modelId="{6F97AE38-2F23-44CB-82FF-5BC115D79865}" type="presOf" srcId="{CFA46BC7-DA68-435C-BFA3-F09CA604A56E}" destId="{CBCBC795-00DB-43F9-A971-6C082CCB84F7}" srcOrd="0" destOrd="0" presId="urn:microsoft.com/office/officeart/2005/8/layout/hierarchy3"/>
     <dgm:cxn modelId="{C26677A1-C647-4074-A002-71BF1774209F}" type="presOf" srcId="{BF994825-B02C-4C20-9260-541026FF9CA3}" destId="{20374C08-3E95-468D-BE60-020FBB2D318E}" srcOrd="0" destOrd="0" presId="urn:microsoft.com/office/officeart/2005/8/layout/hierarchy3"/>
-    <dgm:cxn modelId="{43D2F589-64EC-421B-A386-52C60571BB8B}" srcId="{B1040866-944D-420B-A016-DC8BD6B72044}" destId="{155688E5-9DDA-40BC-AF2D-B7A3C595C4E4}" srcOrd="4" destOrd="0" parTransId="{CFA46BC7-DA68-435C-BFA3-F09CA604A56E}" sibTransId="{7D86DA61-781D-4FD3-AFE8-004E51F6E1EE}"/>
-    <dgm:cxn modelId="{5D6A3828-3A9B-4013-A661-15E5184A90FC}" type="presOf" srcId="{B1040866-944D-420B-A016-DC8BD6B72044}" destId="{24FF4215-AC78-4357-8ECF-81575DCA4C47}" srcOrd="0" destOrd="0" presId="urn:microsoft.com/office/officeart/2005/8/layout/hierarchy3"/>
+    <dgm:cxn modelId="{D700DCA8-9838-40CC-A46B-600D9DBB7D08}" srcId="{B1040866-944D-420B-A016-DC8BD6B72044}" destId="{2214C00E-33CF-4453-85DA-A79B35BBB372}" srcOrd="0" destOrd="0" parTransId="{E884E088-7D1D-4DAA-82FB-B5BD8D881AB8}" sibTransId="{362F4242-063E-48FA-9475-B317451F2270}"/>
+    <dgm:cxn modelId="{3EFACAC1-2211-4312-8F85-0D02D9AF57E3}" srcId="{B1040866-944D-420B-A016-DC8BD6B72044}" destId="{57CEFC56-1FF3-4955-A411-3A24A7D8F5D2}" srcOrd="1" destOrd="0" parTransId="{1957345A-3D59-416D-B8B4-8807779F165E}" sibTransId="{145CC7F3-E457-4636-B1F6-59973040A637}"/>
+    <dgm:cxn modelId="{BBE67BC9-7F98-48CC-9B62-77381542499F}" type="presOf" srcId="{52D5BDF4-4577-4494-A7B0-325FA438352C}" destId="{52ED61E0-F85A-4B03-AAB4-B365BE93BF4C}" srcOrd="0" destOrd="0" presId="urn:microsoft.com/office/officeart/2005/8/layout/hierarchy3"/>
+    <dgm:cxn modelId="{32D125DA-CB8B-440F-962E-2796A50C2E45}" type="presOf" srcId="{B1040866-944D-420B-A016-DC8BD6B72044}" destId="{2CA68F6C-4D41-414B-8867-BC129F519D98}" srcOrd="1" destOrd="0" presId="urn:microsoft.com/office/officeart/2005/8/layout/hierarchy3"/>
+    <dgm:cxn modelId="{5109BFDC-F13C-45A1-9ED3-4EB1DB8685AA}" type="presOf" srcId="{11F56435-09A1-4FD6-BC65-6F10123F4120}" destId="{4E1C0622-81D8-4CD9-AF96-1A77DCEF7022}" srcOrd="0" destOrd="0" presId="urn:microsoft.com/office/officeart/2005/8/layout/hierarchy3"/>
     <dgm:cxn modelId="{A9A2A1FC-C4FC-4DBF-8F6D-22E722C329B1}" type="presOf" srcId="{E884E088-7D1D-4DAA-82FB-B5BD8D881AB8}" destId="{233A69AD-7316-4080-BDFF-AF7E7B75CBC0}" srcOrd="0" destOrd="0" presId="urn:microsoft.com/office/officeart/2005/8/layout/hierarchy3"/>
-    <dgm:cxn modelId="{5109BFDC-F13C-45A1-9ED3-4EB1DB8685AA}" type="presOf" srcId="{11F56435-09A1-4FD6-BC65-6F10123F4120}" destId="{4E1C0622-81D8-4CD9-AF96-1A77DCEF7022}" srcOrd="0" destOrd="0" presId="urn:microsoft.com/office/officeart/2005/8/layout/hierarchy3"/>
-    <dgm:cxn modelId="{32D125DA-CB8B-440F-962E-2796A50C2E45}" type="presOf" srcId="{B1040866-944D-420B-A016-DC8BD6B72044}" destId="{2CA68F6C-4D41-414B-8867-BC129F519D98}" srcOrd="1" destOrd="0" presId="urn:microsoft.com/office/officeart/2005/8/layout/hierarchy3"/>
-    <dgm:cxn modelId="{713E6479-5872-4250-A8D2-81E6031643C0}" srcId="{6483FF6D-C851-408C-A2FB-788DAFEB6B36}" destId="{B1040866-944D-420B-A016-DC8BD6B72044}" srcOrd="0" destOrd="0" parTransId="{3F4E3CC0-DAF1-4A3D-9E85-0D752CAF9CFA}" sibTransId="{4860E933-1375-45D9-A6FE-F429D29CF473}"/>
-    <dgm:cxn modelId="{D700DCA8-9838-40CC-A46B-600D9DBB7D08}" srcId="{B1040866-944D-420B-A016-DC8BD6B72044}" destId="{2214C00E-33CF-4453-85DA-A79B35BBB372}" srcOrd="0" destOrd="0" parTransId="{E884E088-7D1D-4DAA-82FB-B5BD8D881AB8}" sibTransId="{362F4242-063E-48FA-9475-B317451F2270}"/>
-    <dgm:cxn modelId="{1A785B9C-925F-4707-A39F-3C4A306FECB4}" type="presOf" srcId="{BFAAF7C4-099A-4486-A180-BC674362997B}" destId="{4FC62323-2E2E-4D1F-935A-D597B3494CF7}" srcOrd="0" destOrd="0" presId="urn:microsoft.com/office/officeart/2005/8/layout/hierarchy3"/>
-    <dgm:cxn modelId="{BBE67BC9-7F98-48CC-9B62-77381542499F}" type="presOf" srcId="{52D5BDF4-4577-4494-A7B0-325FA438352C}" destId="{52ED61E0-F85A-4B03-AAB4-B365BE93BF4C}" srcOrd="0" destOrd="0" presId="urn:microsoft.com/office/officeart/2005/8/layout/hierarchy3"/>
-    <dgm:cxn modelId="{0ACB9E61-E9F9-4D5D-BD86-121B005ADF23}" type="presOf" srcId="{1957345A-3D59-416D-B8B4-8807779F165E}" destId="{DF6A92EE-E703-4CE0-8F1E-7698E62B9E68}" srcOrd="0" destOrd="0" presId="urn:microsoft.com/office/officeart/2005/8/layout/hierarchy3"/>
-    <dgm:cxn modelId="{3EFACAC1-2211-4312-8F85-0D02D9AF57E3}" srcId="{B1040866-944D-420B-A016-DC8BD6B72044}" destId="{57CEFC56-1FF3-4955-A411-3A24A7D8F5D2}" srcOrd="1" destOrd="0" parTransId="{1957345A-3D59-416D-B8B4-8807779F165E}" sibTransId="{145CC7F3-E457-4636-B1F6-59973040A637}"/>
-    <dgm:cxn modelId="{6B07061C-8D78-4346-9C9F-0D91DB31DEC6}" srcId="{B1040866-944D-420B-A016-DC8BD6B72044}" destId="{52D5BDF4-4577-4494-A7B0-325FA438352C}" srcOrd="2" destOrd="0" parTransId="{BF994825-B02C-4C20-9260-541026FF9CA3}" sibTransId="{42B69AAE-4F5B-4372-83A9-6FE9639BCC65}"/>
     <dgm:cxn modelId="{50CBF398-1F8E-4473-A5C4-F887211F598D}" type="presParOf" srcId="{FC8E1CAD-9B0E-427E-AE11-0849D1E41138}" destId="{7A65A23E-D452-46BD-9A15-9D6E5B2DC46E}" srcOrd="0" destOrd="0" presId="urn:microsoft.com/office/officeart/2005/8/layout/hierarchy3"/>
     <dgm:cxn modelId="{44481FA3-0D01-4EB3-8EE9-08D4AC3C7C03}" type="presParOf" srcId="{7A65A23E-D452-46BD-9A15-9D6E5B2DC46E}" destId="{B675CD26-0E7B-4C00-8CC2-68981691F56A}" srcOrd="0" destOrd="0" presId="urn:microsoft.com/office/officeart/2005/8/layout/hierarchy3"/>
     <dgm:cxn modelId="{572DCDAD-4CFD-4BBC-9C3C-D7FFB4FD0D49}" type="presParOf" srcId="{B675CD26-0E7B-4C00-8CC2-68981691F56A}" destId="{24FF4215-AC78-4357-8ECF-81575DCA4C47}" srcOrd="0" destOrd="0" presId="urn:microsoft.com/office/officeart/2005/8/layout/hierarchy3"/>
@@ -1442,14 +1361,14 @@
   <dgm:whole/>
   <dgm:extLst>
     <a:ext uri="http://schemas.microsoft.com/office/drawing/2008/diagram">
-      <dsp:dataModelExt xmlns:dsp="http://schemas.microsoft.com/office/drawing/2008/diagram" xmlns="" relId="rId8" minVer="http://schemas.openxmlformats.org/drawingml/2006/diagram"/>
+      <dsp:dataModelExt xmlns:dsp="http://schemas.microsoft.com/office/drawing/2008/diagram" relId="rId8" minVer="http://schemas.openxmlformats.org/drawingml/2006/diagram"/>
     </a:ext>
   </dgm:extLst>
 </dgm:dataModel>
 </file>
 
 <file path=ppt/diagrams/drawing1.xml><?xml version="1.0" encoding="utf-8"?>
-<dsp:drawing xmlns:dgm="http://schemas.openxmlformats.org/drawingml/2006/diagram" xmlns:a="http://schemas.openxmlformats.org/drawingml/2006/main" xmlns:dsp="http://schemas.microsoft.com/office/drawing/2008/diagram">
+<dsp:drawing xmlns:dgm="http://schemas.openxmlformats.org/drawingml/2006/diagram" xmlns:dsp="http://schemas.microsoft.com/office/drawing/2008/diagram" xmlns:a="http://schemas.openxmlformats.org/drawingml/2006/main">
   <dsp:spTree>
     <dsp:nvGrpSpPr>
       <dsp:cNvPr id="0" name=""/>
@@ -1531,7 +1450,7 @@
         </a:bodyPr>
         <a:lstStyle/>
         <a:p>
-          <a:pPr lvl="0" algn="ctr" defTabSz="1644650">
+          <a:pPr marL="0" lvl="0" indent="0" algn="ctr" defTabSz="1644650">
             <a:lnSpc>
               <a:spcPct val="90000"/>
             </a:lnSpc>
@@ -1541,17 +1460,17 @@
             <a:spcAft>
               <a:spcPct val="35000"/>
             </a:spcAft>
+            <a:buNone/>
           </a:pPr>
           <a:r>
-            <a:rPr lang="es-ES" sz="3700" kern="1200" dirty="0" smtClean="0"/>
+            <a:rPr lang="es-ES" sz="3700" kern="1200" dirty="0"/>
             <a:t>Centralización</a:t>
           </a:r>
-          <a:endParaRPr lang="es-ES" sz="3700" kern="1200" dirty="0"/>
         </a:p>
       </dsp:txBody>
       <dsp:txXfrm>
-        <a:off x="144017" y="298"/>
-        <a:ext cx="3386803" cy="665370"/>
+        <a:off x="163505" y="19786"/>
+        <a:ext cx="3347827" cy="626394"/>
       </dsp:txXfrm>
     </dsp:sp>
     <dsp:sp modelId="{233A69AD-7316-4080-BDFF-AF7E7B75CBC0}">
@@ -1668,7 +1587,7 @@
         </a:bodyPr>
         <a:lstStyle/>
         <a:p>
-          <a:pPr lvl="0" algn="ctr" defTabSz="1111250">
+          <a:pPr marL="0" lvl="0" indent="0" algn="ctr" defTabSz="1111250">
             <a:lnSpc>
               <a:spcPct val="90000"/>
             </a:lnSpc>
@@ -1678,17 +1597,17 @@
             <a:spcAft>
               <a:spcPct val="35000"/>
             </a:spcAft>
+            <a:buNone/>
           </a:pPr>
           <a:r>
-            <a:rPr lang="es-ES" sz="2500" kern="1200" dirty="0" smtClean="0"/>
+            <a:rPr lang="es-ES" sz="2500" kern="1200" dirty="0"/>
             <a:t>Media Aritmética</a:t>
           </a:r>
-          <a:endParaRPr lang="es-ES" sz="2500" kern="1200" dirty="0"/>
         </a:p>
       </dsp:txBody>
       <dsp:txXfrm>
-        <a:off x="1036186" y="832012"/>
-        <a:ext cx="2624903" cy="665370"/>
+        <a:off x="1055674" y="851500"/>
+        <a:ext cx="2585927" cy="626394"/>
       </dsp:txXfrm>
     </dsp:sp>
     <dsp:sp modelId="{DF6A92EE-E703-4CE0-8F1E-7698E62B9E68}">
@@ -1805,7 +1724,7 @@
         </a:bodyPr>
         <a:lstStyle/>
         <a:p>
-          <a:pPr lvl="0" algn="ctr" defTabSz="1111250">
+          <a:pPr marL="0" lvl="0" indent="0" algn="ctr" defTabSz="1111250">
             <a:lnSpc>
               <a:spcPct val="90000"/>
             </a:lnSpc>
@@ -1815,17 +1734,17 @@
             <a:spcAft>
               <a:spcPct val="35000"/>
             </a:spcAft>
+            <a:buNone/>
           </a:pPr>
           <a:r>
-            <a:rPr lang="es-ES" sz="2500" kern="1200" dirty="0" smtClean="0"/>
+            <a:rPr lang="es-ES" sz="2500" kern="1200" dirty="0"/>
             <a:t>Media Geométrica</a:t>
           </a:r>
-          <a:endParaRPr lang="es-ES" sz="2500" kern="1200" dirty="0"/>
         </a:p>
       </dsp:txBody>
       <dsp:txXfrm>
-        <a:off x="1036186" y="1663725"/>
-        <a:ext cx="2624903" cy="665370"/>
+        <a:off x="1055674" y="1683213"/>
+        <a:ext cx="2585927" cy="626394"/>
       </dsp:txXfrm>
     </dsp:sp>
     <dsp:sp modelId="{20374C08-3E95-468D-BE60-020FBB2D318E}">
@@ -1942,7 +1861,7 @@
         </a:bodyPr>
         <a:lstStyle/>
         <a:p>
-          <a:pPr lvl="0" algn="ctr" defTabSz="1111250">
+          <a:pPr marL="0" lvl="0" indent="0" algn="ctr" defTabSz="1111250">
             <a:lnSpc>
               <a:spcPct val="90000"/>
             </a:lnSpc>
@@ -1952,17 +1871,17 @@
             <a:spcAft>
               <a:spcPct val="35000"/>
             </a:spcAft>
+            <a:buNone/>
           </a:pPr>
           <a:r>
-            <a:rPr lang="es-ES" sz="2500" kern="1200" dirty="0" smtClean="0"/>
+            <a:rPr lang="es-ES" sz="2500" kern="1200" dirty="0"/>
             <a:t>Media Ponderada</a:t>
           </a:r>
-          <a:endParaRPr lang="es-ES" sz="2500" kern="1200" dirty="0"/>
         </a:p>
       </dsp:txBody>
       <dsp:txXfrm>
-        <a:off x="1036186" y="2495439"/>
-        <a:ext cx="2624903" cy="665370"/>
+        <a:off x="1055674" y="2514927"/>
+        <a:ext cx="2585927" cy="626394"/>
       </dsp:txXfrm>
     </dsp:sp>
     <dsp:sp modelId="{4FC62323-2E2E-4D1F-935A-D597B3494CF7}">
@@ -2079,7 +1998,7 @@
         </a:bodyPr>
         <a:lstStyle/>
         <a:p>
-          <a:pPr lvl="0" algn="ctr" defTabSz="1111250">
+          <a:pPr marL="0" lvl="0" indent="0" algn="ctr" defTabSz="1111250">
             <a:lnSpc>
               <a:spcPct val="90000"/>
             </a:lnSpc>
@@ -2089,17 +2008,17 @@
             <a:spcAft>
               <a:spcPct val="35000"/>
             </a:spcAft>
+            <a:buNone/>
           </a:pPr>
           <a:r>
-            <a:rPr lang="es-ES" sz="2500" kern="1200" dirty="0" smtClean="0"/>
+            <a:rPr lang="es-ES" sz="2500" kern="1200" dirty="0"/>
             <a:t>Mediana</a:t>
           </a:r>
-          <a:endParaRPr lang="es-ES" sz="2500" kern="1200" dirty="0"/>
         </a:p>
       </dsp:txBody>
       <dsp:txXfrm>
-        <a:off x="1036186" y="3327152"/>
-        <a:ext cx="2624903" cy="665370"/>
+        <a:off x="1055674" y="3346640"/>
+        <a:ext cx="2585927" cy="626394"/>
       </dsp:txXfrm>
     </dsp:sp>
     <dsp:sp modelId="{CBCBC795-00DB-43F9-A971-6C082CCB84F7}">
@@ -2216,7 +2135,7 @@
         </a:bodyPr>
         <a:lstStyle/>
         <a:p>
-          <a:pPr lvl="0" algn="ctr" defTabSz="1111250">
+          <a:pPr marL="0" lvl="0" indent="0" algn="ctr" defTabSz="1111250">
             <a:lnSpc>
               <a:spcPct val="90000"/>
             </a:lnSpc>
@@ -2226,17 +2145,17 @@
             <a:spcAft>
               <a:spcPct val="35000"/>
             </a:spcAft>
+            <a:buNone/>
           </a:pPr>
           <a:r>
-            <a:rPr lang="es-ES" sz="2500" kern="1200" dirty="0" smtClean="0"/>
+            <a:rPr lang="es-ES" sz="2500" kern="1200" dirty="0"/>
             <a:t>Moda</a:t>
           </a:r>
-          <a:endParaRPr lang="es-ES" sz="2500" kern="1200" dirty="0"/>
         </a:p>
       </dsp:txBody>
       <dsp:txXfrm>
-        <a:off x="1036186" y="4158866"/>
-        <a:ext cx="2624903" cy="665370"/>
+        <a:off x="1055674" y="4178354"/>
+        <a:ext cx="2585927" cy="626394"/>
       </dsp:txXfrm>
     </dsp:sp>
   </dsp:spTree>
@@ -3652,7 +3571,7 @@
             <a:fld id="{3B1BED93-C4DD-4228-BA7E-59C26F24859F}" type="datetimeFigureOut">
               <a:rPr lang="es-ES" smtClean="0"/>
               <a:pPr/>
-              <a:t>18/04/2017</a:t>
+              <a:t>15/12/2022</a:t>
             </a:fld>
             <a:endParaRPr lang="es-ES"/>
           </a:p>
@@ -3718,38 +3637,37 @@
           <a:p>
             <a:pPr lvl="0"/>
             <a:r>
-              <a:rPr lang="es-ES" smtClean="0"/>
+              <a:rPr lang="es-ES"/>
               <a:t>Haga clic para modificar el estilo de texto del patrón</a:t>
             </a:r>
           </a:p>
           <a:p>
             <a:pPr lvl="1"/>
             <a:r>
-              <a:rPr lang="es-ES" smtClean="0"/>
+              <a:rPr lang="es-ES"/>
               <a:t>Segundo nivel</a:t>
             </a:r>
           </a:p>
           <a:p>
             <a:pPr lvl="2"/>
             <a:r>
-              <a:rPr lang="es-ES" smtClean="0"/>
+              <a:rPr lang="es-ES"/>
               <a:t>Tercer nivel</a:t>
             </a:r>
           </a:p>
           <a:p>
             <a:pPr lvl="3"/>
             <a:r>
-              <a:rPr lang="es-ES" smtClean="0"/>
+              <a:rPr lang="es-ES"/>
               <a:t>Cuarto nivel</a:t>
             </a:r>
           </a:p>
           <a:p>
             <a:pPr lvl="4"/>
             <a:r>
-              <a:rPr lang="es-ES" smtClean="0"/>
+              <a:rPr lang="es-ES"/>
               <a:t>Quinto nivel</a:t>
             </a:r>
-            <a:endParaRPr lang="es-ES"/>
           </a:p>
         </p:txBody>
       </p:sp>
@@ -3956,10 +3874,9 @@
           <a:lstStyle/>
           <a:p>
             <a:r>
-              <a:rPr lang="es-ES" smtClean="0"/>
+              <a:rPr lang="es-ES"/>
               <a:t>Haga clic para modificar el estilo de título del patrón</a:t>
             </a:r>
-            <a:endParaRPr lang="es-ES"/>
           </a:p>
         </p:txBody>
       </p:sp>
@@ -4075,10 +3992,9 @@
           </a:lstStyle>
           <a:p>
             <a:r>
-              <a:rPr lang="es-ES" smtClean="0"/>
+              <a:rPr lang="es-ES"/>
               <a:t>Haga clic para modificar el estilo de subtítulo del patrón</a:t>
             </a:r>
-            <a:endParaRPr lang="es-ES"/>
           </a:p>
         </p:txBody>
       </p:sp>
@@ -4100,7 +4016,7 @@
             <a:fld id="{F26E0F60-29C2-490B-83ED-20E111C7418B}" type="datetime1">
               <a:rPr lang="es-ES" smtClean="0"/>
               <a:pPr/>
-              <a:t>18/04/2017</a:t>
+              <a:t>15/12/2022</a:t>
             </a:fld>
             <a:endParaRPr lang="es-ES"/>
           </a:p>
@@ -4190,10 +4106,9 @@
           <a:lstStyle/>
           <a:p>
             <a:r>
-              <a:rPr lang="es-ES" smtClean="0"/>
+              <a:rPr lang="es-ES"/>
               <a:t>Haga clic para modificar el estilo de título del patrón</a:t>
             </a:r>
-            <a:endParaRPr lang="es-ES"/>
           </a:p>
         </p:txBody>
       </p:sp>
@@ -4214,38 +4129,37 @@
           <a:p>
             <a:pPr lvl="0"/>
             <a:r>
-              <a:rPr lang="es-ES" smtClean="0"/>
+              <a:rPr lang="es-ES"/>
               <a:t>Haga clic para modificar el estilo de texto del patrón</a:t>
             </a:r>
           </a:p>
           <a:p>
             <a:pPr lvl="1"/>
             <a:r>
-              <a:rPr lang="es-ES" smtClean="0"/>
+              <a:rPr lang="es-ES"/>
               <a:t>Segundo nivel</a:t>
             </a:r>
           </a:p>
           <a:p>
             <a:pPr lvl="2"/>
             <a:r>
-              <a:rPr lang="es-ES" smtClean="0"/>
+              <a:rPr lang="es-ES"/>
               <a:t>Tercer nivel</a:t>
             </a:r>
           </a:p>
           <a:p>
             <a:pPr lvl="3"/>
             <a:r>
-              <a:rPr lang="es-ES" smtClean="0"/>
+              <a:rPr lang="es-ES"/>
               <a:t>Cuarto nivel</a:t>
             </a:r>
           </a:p>
           <a:p>
             <a:pPr lvl="4"/>
             <a:r>
-              <a:rPr lang="es-ES" smtClean="0"/>
+              <a:rPr lang="es-ES"/>
               <a:t>Quinto nivel</a:t>
             </a:r>
-            <a:endParaRPr lang="es-ES"/>
           </a:p>
         </p:txBody>
       </p:sp>
@@ -4267,7 +4181,7 @@
             <a:fld id="{690A3F93-F6B0-48E0-80AC-EDA572170C63}" type="datetime1">
               <a:rPr lang="es-ES" smtClean="0"/>
               <a:pPr/>
-              <a:t>18/04/2017</a:t>
+              <a:t>15/12/2022</a:t>
             </a:fld>
             <a:endParaRPr lang="es-ES"/>
           </a:p>
@@ -4362,10 +4276,9 @@
           <a:lstStyle/>
           <a:p>
             <a:r>
-              <a:rPr lang="es-ES" smtClean="0"/>
+              <a:rPr lang="es-ES"/>
               <a:t>Haga clic para modificar el estilo de título del patrón</a:t>
             </a:r>
-            <a:endParaRPr lang="es-ES"/>
           </a:p>
         </p:txBody>
       </p:sp>
@@ -4391,38 +4304,37 @@
           <a:p>
             <a:pPr lvl="0"/>
             <a:r>
-              <a:rPr lang="es-ES" smtClean="0"/>
+              <a:rPr lang="es-ES"/>
               <a:t>Haga clic para modificar el estilo de texto del patrón</a:t>
             </a:r>
           </a:p>
           <a:p>
             <a:pPr lvl="1"/>
             <a:r>
-              <a:rPr lang="es-ES" smtClean="0"/>
+              <a:rPr lang="es-ES"/>
               <a:t>Segundo nivel</a:t>
             </a:r>
           </a:p>
           <a:p>
             <a:pPr lvl="2"/>
             <a:r>
-              <a:rPr lang="es-ES" smtClean="0"/>
+              <a:rPr lang="es-ES"/>
               <a:t>Tercer nivel</a:t>
             </a:r>
           </a:p>
           <a:p>
             <a:pPr lvl="3"/>
             <a:r>
-              <a:rPr lang="es-ES" smtClean="0"/>
+              <a:rPr lang="es-ES"/>
               <a:t>Cuarto nivel</a:t>
             </a:r>
           </a:p>
           <a:p>
             <a:pPr lvl="4"/>
             <a:r>
-              <a:rPr lang="es-ES" smtClean="0"/>
+              <a:rPr lang="es-ES"/>
               <a:t>Quinto nivel</a:t>
             </a:r>
-            <a:endParaRPr lang="es-ES"/>
           </a:p>
         </p:txBody>
       </p:sp>
@@ -4444,7 +4356,7 @@
             <a:fld id="{81B45A13-46AD-49AA-A513-1BE816291C82}" type="datetime1">
               <a:rPr lang="es-ES" smtClean="0"/>
               <a:pPr/>
-              <a:t>18/04/2017</a:t>
+              <a:t>15/12/2022</a:t>
             </a:fld>
             <a:endParaRPr lang="es-ES"/>
           </a:p>
@@ -4534,10 +4446,9 @@
           <a:lstStyle/>
           <a:p>
             <a:r>
-              <a:rPr lang="es-ES" smtClean="0"/>
+              <a:rPr lang="es-ES"/>
               <a:t>Haga clic para modificar el estilo de título del patrón</a:t>
             </a:r>
-            <a:endParaRPr lang="es-ES"/>
           </a:p>
         </p:txBody>
       </p:sp>
@@ -4558,38 +4469,37 @@
           <a:p>
             <a:pPr lvl="0"/>
             <a:r>
-              <a:rPr lang="es-ES" smtClean="0"/>
+              <a:rPr lang="es-ES"/>
               <a:t>Haga clic para modificar el estilo de texto del patrón</a:t>
             </a:r>
           </a:p>
           <a:p>
             <a:pPr lvl="1"/>
             <a:r>
-              <a:rPr lang="es-ES" smtClean="0"/>
+              <a:rPr lang="es-ES"/>
               <a:t>Segundo nivel</a:t>
             </a:r>
           </a:p>
           <a:p>
             <a:pPr lvl="2"/>
             <a:r>
-              <a:rPr lang="es-ES" smtClean="0"/>
+              <a:rPr lang="es-ES"/>
               <a:t>Tercer nivel</a:t>
             </a:r>
           </a:p>
           <a:p>
             <a:pPr lvl="3"/>
             <a:r>
-              <a:rPr lang="es-ES" smtClean="0"/>
+              <a:rPr lang="es-ES"/>
               <a:t>Cuarto nivel</a:t>
             </a:r>
           </a:p>
           <a:p>
             <a:pPr lvl="4"/>
             <a:r>
-              <a:rPr lang="es-ES" smtClean="0"/>
+              <a:rPr lang="es-ES"/>
               <a:t>Quinto nivel</a:t>
             </a:r>
-            <a:endParaRPr lang="es-ES"/>
           </a:p>
         </p:txBody>
       </p:sp>
@@ -4611,7 +4521,7 @@
             <a:fld id="{DA67A9BD-26F5-47BB-9493-37CE54CFB0D4}" type="datetime1">
               <a:rPr lang="es-ES" smtClean="0"/>
               <a:pPr/>
-              <a:t>18/04/2017</a:t>
+              <a:t>15/12/2022</a:t>
             </a:fld>
             <a:endParaRPr lang="es-ES"/>
           </a:p>
@@ -4710,10 +4620,9 @@
           </a:lstStyle>
           <a:p>
             <a:r>
-              <a:rPr lang="es-ES" smtClean="0"/>
+              <a:rPr lang="es-ES"/>
               <a:t>Haga clic para modificar el estilo de título del patrón</a:t>
             </a:r>
-            <a:endParaRPr lang="es-ES"/>
           </a:p>
         </p:txBody>
       </p:sp>
@@ -4830,7 +4739,7 @@
           <a:p>
             <a:pPr lvl="0"/>
             <a:r>
-              <a:rPr lang="es-ES" smtClean="0"/>
+              <a:rPr lang="es-ES"/>
               <a:t>Haga clic para modificar el estilo de texto del patrón</a:t>
             </a:r>
           </a:p>
@@ -4854,7 +4763,7 @@
             <a:fld id="{70316206-5361-4967-8DD3-FA488F0F0299}" type="datetime1">
               <a:rPr lang="es-ES" smtClean="0"/>
               <a:pPr/>
-              <a:t>18/04/2017</a:t>
+              <a:t>15/12/2022</a:t>
             </a:fld>
             <a:endParaRPr lang="es-ES"/>
           </a:p>
@@ -4944,10 +4853,9 @@
           <a:lstStyle/>
           <a:p>
             <a:r>
-              <a:rPr lang="es-ES" smtClean="0"/>
+              <a:rPr lang="es-ES"/>
               <a:t>Haga clic para modificar el estilo de título del patrón</a:t>
             </a:r>
-            <a:endParaRPr lang="es-ES"/>
           </a:p>
         </p:txBody>
       </p:sp>
@@ -5001,38 +4909,37 @@
           <a:p>
             <a:pPr lvl="0"/>
             <a:r>
-              <a:rPr lang="es-ES" smtClean="0"/>
+              <a:rPr lang="es-ES"/>
               <a:t>Haga clic para modificar el estilo de texto del patrón</a:t>
             </a:r>
           </a:p>
           <a:p>
             <a:pPr lvl="1"/>
             <a:r>
-              <a:rPr lang="es-ES" smtClean="0"/>
+              <a:rPr lang="es-ES"/>
               <a:t>Segundo nivel</a:t>
             </a:r>
           </a:p>
           <a:p>
             <a:pPr lvl="2"/>
             <a:r>
-              <a:rPr lang="es-ES" smtClean="0"/>
+              <a:rPr lang="es-ES"/>
               <a:t>Tercer nivel</a:t>
             </a:r>
           </a:p>
           <a:p>
             <a:pPr lvl="3"/>
             <a:r>
-              <a:rPr lang="es-ES" smtClean="0"/>
+              <a:rPr lang="es-ES"/>
               <a:t>Cuarto nivel</a:t>
             </a:r>
           </a:p>
           <a:p>
             <a:pPr lvl="4"/>
             <a:r>
-              <a:rPr lang="es-ES" smtClean="0"/>
+              <a:rPr lang="es-ES"/>
               <a:t>Quinto nivel</a:t>
             </a:r>
-            <a:endParaRPr lang="es-ES"/>
           </a:p>
         </p:txBody>
       </p:sp>
@@ -5086,38 +4993,37 @@
           <a:p>
             <a:pPr lvl="0"/>
             <a:r>
-              <a:rPr lang="es-ES" smtClean="0"/>
+              <a:rPr lang="es-ES"/>
               <a:t>Haga clic para modificar el estilo de texto del patrón</a:t>
             </a:r>
           </a:p>
           <a:p>
             <a:pPr lvl="1"/>
             <a:r>
-              <a:rPr lang="es-ES" smtClean="0"/>
+              <a:rPr lang="es-ES"/>
               <a:t>Segundo nivel</a:t>
             </a:r>
           </a:p>
           <a:p>
             <a:pPr lvl="2"/>
             <a:r>
-              <a:rPr lang="es-ES" smtClean="0"/>
+              <a:rPr lang="es-ES"/>
               <a:t>Tercer nivel</a:t>
             </a:r>
           </a:p>
           <a:p>
             <a:pPr lvl="3"/>
             <a:r>
-              <a:rPr lang="es-ES" smtClean="0"/>
+              <a:rPr lang="es-ES"/>
               <a:t>Cuarto nivel</a:t>
             </a:r>
           </a:p>
           <a:p>
             <a:pPr lvl="4"/>
             <a:r>
-              <a:rPr lang="es-ES" smtClean="0"/>
+              <a:rPr lang="es-ES"/>
               <a:t>Quinto nivel</a:t>
             </a:r>
-            <a:endParaRPr lang="es-ES"/>
           </a:p>
         </p:txBody>
       </p:sp>
@@ -5139,7 +5045,7 @@
             <a:fld id="{12111074-330E-49D8-B4DF-026A2BE82953}" type="datetime1">
               <a:rPr lang="es-ES" smtClean="0"/>
               <a:pPr/>
-              <a:t>18/04/2017</a:t>
+              <a:t>15/12/2022</a:t>
             </a:fld>
             <a:endParaRPr lang="es-ES"/>
           </a:p>
@@ -5233,10 +5139,9 @@
           </a:lstStyle>
           <a:p>
             <a:r>
-              <a:rPr lang="es-ES" smtClean="0"/>
+              <a:rPr lang="es-ES"/>
               <a:t>Haga clic para modificar el estilo de título del patrón</a:t>
             </a:r>
-            <a:endParaRPr lang="es-ES"/>
           </a:p>
         </p:txBody>
       </p:sp>
@@ -5299,7 +5204,7 @@
           <a:p>
             <a:pPr lvl="0"/>
             <a:r>
-              <a:rPr lang="es-ES" smtClean="0"/>
+              <a:rPr lang="es-ES"/>
               <a:t>Haga clic para modificar el estilo de texto del patrón</a:t>
             </a:r>
           </a:p>
@@ -5355,38 +5260,37 @@
           <a:p>
             <a:pPr lvl="0"/>
             <a:r>
-              <a:rPr lang="es-ES" smtClean="0"/>
+              <a:rPr lang="es-ES"/>
               <a:t>Haga clic para modificar el estilo de texto del patrón</a:t>
             </a:r>
           </a:p>
           <a:p>
             <a:pPr lvl="1"/>
             <a:r>
-              <a:rPr lang="es-ES" smtClean="0"/>
+              <a:rPr lang="es-ES"/>
               <a:t>Segundo nivel</a:t>
             </a:r>
           </a:p>
           <a:p>
             <a:pPr lvl="2"/>
             <a:r>
-              <a:rPr lang="es-ES" smtClean="0"/>
+              <a:rPr lang="es-ES"/>
               <a:t>Tercer nivel</a:t>
             </a:r>
           </a:p>
           <a:p>
             <a:pPr lvl="3"/>
             <a:r>
-              <a:rPr lang="es-ES" smtClean="0"/>
+              <a:rPr lang="es-ES"/>
               <a:t>Cuarto nivel</a:t>
             </a:r>
           </a:p>
           <a:p>
             <a:pPr lvl="4"/>
             <a:r>
-              <a:rPr lang="es-ES" smtClean="0"/>
+              <a:rPr lang="es-ES"/>
               <a:t>Quinto nivel</a:t>
             </a:r>
-            <a:endParaRPr lang="es-ES"/>
           </a:p>
         </p:txBody>
       </p:sp>
@@ -5449,7 +5353,7 @@
           <a:p>
             <a:pPr lvl="0"/>
             <a:r>
-              <a:rPr lang="es-ES" smtClean="0"/>
+              <a:rPr lang="es-ES"/>
               <a:t>Haga clic para modificar el estilo de texto del patrón</a:t>
             </a:r>
           </a:p>
@@ -5505,38 +5409,37 @@
           <a:p>
             <a:pPr lvl="0"/>
             <a:r>
-              <a:rPr lang="es-ES" smtClean="0"/>
+              <a:rPr lang="es-ES"/>
               <a:t>Haga clic para modificar el estilo de texto del patrón</a:t>
             </a:r>
           </a:p>
           <a:p>
             <a:pPr lvl="1"/>
             <a:r>
-              <a:rPr lang="es-ES" smtClean="0"/>
+              <a:rPr lang="es-ES"/>
               <a:t>Segundo nivel</a:t>
             </a:r>
           </a:p>
           <a:p>
             <a:pPr lvl="2"/>
             <a:r>
-              <a:rPr lang="es-ES" smtClean="0"/>
+              <a:rPr lang="es-ES"/>
               <a:t>Tercer nivel</a:t>
             </a:r>
           </a:p>
           <a:p>
             <a:pPr lvl="3"/>
             <a:r>
-              <a:rPr lang="es-ES" smtClean="0"/>
+              <a:rPr lang="es-ES"/>
               <a:t>Cuarto nivel</a:t>
             </a:r>
           </a:p>
           <a:p>
             <a:pPr lvl="4"/>
             <a:r>
-              <a:rPr lang="es-ES" smtClean="0"/>
+              <a:rPr lang="es-ES"/>
               <a:t>Quinto nivel</a:t>
             </a:r>
-            <a:endParaRPr lang="es-ES"/>
           </a:p>
         </p:txBody>
       </p:sp>
@@ -5558,7 +5461,7 @@
             <a:fld id="{3C2937B0-B771-444B-A251-546E8D0DFBF4}" type="datetime1">
               <a:rPr lang="es-ES" smtClean="0"/>
               <a:pPr/>
-              <a:t>18/04/2017</a:t>
+              <a:t>15/12/2022</a:t>
             </a:fld>
             <a:endParaRPr lang="es-ES"/>
           </a:p>
@@ -5648,10 +5551,9 @@
           <a:lstStyle/>
           <a:p>
             <a:r>
-              <a:rPr lang="es-ES" smtClean="0"/>
+              <a:rPr lang="es-ES"/>
               <a:t>Haga clic para modificar el estilo de título del patrón</a:t>
             </a:r>
-            <a:endParaRPr lang="es-ES"/>
           </a:p>
         </p:txBody>
       </p:sp>
@@ -5673,7 +5575,7 @@
             <a:fld id="{47E2F6AB-9AA2-40C3-9D99-B2208F5AEF78}" type="datetime1">
               <a:rPr lang="es-ES" smtClean="0"/>
               <a:pPr/>
-              <a:t>18/04/2017</a:t>
+              <a:t>15/12/2022</a:t>
             </a:fld>
             <a:endParaRPr lang="es-ES"/>
           </a:p>
@@ -5765,7 +5667,7 @@
             <a:fld id="{FFA26B05-E117-419B-BB02-BFA8DB0D5601}" type="datetime1">
               <a:rPr lang="es-ES" smtClean="0"/>
               <a:pPr/>
-              <a:t>18/04/2017</a:t>
+              <a:t>15/12/2022</a:t>
             </a:fld>
             <a:endParaRPr lang="es-ES"/>
           </a:p>
@@ -5864,10 +5766,9 @@
           </a:lstStyle>
           <a:p>
             <a:r>
-              <a:rPr lang="es-ES" smtClean="0"/>
+              <a:rPr lang="es-ES"/>
               <a:t>Haga clic para modificar el estilo de título del patrón</a:t>
             </a:r>
-            <a:endParaRPr lang="es-ES"/>
           </a:p>
         </p:txBody>
       </p:sp>
@@ -5921,38 +5822,37 @@
           <a:p>
             <a:pPr lvl="0"/>
             <a:r>
-              <a:rPr lang="es-ES" smtClean="0"/>
+              <a:rPr lang="es-ES"/>
               <a:t>Haga clic para modificar el estilo de texto del patrón</a:t>
             </a:r>
           </a:p>
           <a:p>
             <a:pPr lvl="1"/>
             <a:r>
-              <a:rPr lang="es-ES" smtClean="0"/>
+              <a:rPr lang="es-ES"/>
               <a:t>Segundo nivel</a:t>
             </a:r>
           </a:p>
           <a:p>
             <a:pPr lvl="2"/>
             <a:r>
-              <a:rPr lang="es-ES" smtClean="0"/>
+              <a:rPr lang="es-ES"/>
               <a:t>Tercer nivel</a:t>
             </a:r>
           </a:p>
           <a:p>
             <a:pPr lvl="3"/>
             <a:r>
-              <a:rPr lang="es-ES" smtClean="0"/>
+              <a:rPr lang="es-ES"/>
               <a:t>Cuarto nivel</a:t>
             </a:r>
           </a:p>
           <a:p>
             <a:pPr lvl="4"/>
             <a:r>
-              <a:rPr lang="es-ES" smtClean="0"/>
+              <a:rPr lang="es-ES"/>
               <a:t>Quinto nivel</a:t>
             </a:r>
-            <a:endParaRPr lang="es-ES"/>
           </a:p>
         </p:txBody>
       </p:sp>
@@ -6015,7 +5915,7 @@
           <a:p>
             <a:pPr lvl="0"/>
             <a:r>
-              <a:rPr lang="es-ES" smtClean="0"/>
+              <a:rPr lang="es-ES"/>
               <a:t>Haga clic para modificar el estilo de texto del patrón</a:t>
             </a:r>
           </a:p>
@@ -6039,7 +5939,7 @@
             <a:fld id="{5F8CD0DC-E6C7-4218-B71A-D74A244DF100}" type="datetime1">
               <a:rPr lang="es-ES" smtClean="0"/>
               <a:pPr/>
-              <a:t>18/04/2017</a:t>
+              <a:t>15/12/2022</a:t>
             </a:fld>
             <a:endParaRPr lang="es-ES"/>
           </a:p>
@@ -6138,10 +6038,9 @@
           </a:lstStyle>
           <a:p>
             <a:r>
-              <a:rPr lang="es-ES" smtClean="0"/>
+              <a:rPr lang="es-ES"/>
               <a:t>Haga clic para modificar el estilo de título del patrón</a:t>
             </a:r>
-            <a:endParaRPr lang="es-ES"/>
           </a:p>
         </p:txBody>
       </p:sp>
@@ -6265,7 +6164,7 @@
           <a:p>
             <a:pPr lvl="0"/>
             <a:r>
-              <a:rPr lang="es-ES" smtClean="0"/>
+              <a:rPr lang="es-ES"/>
               <a:t>Haga clic para modificar el estilo de texto del patrón</a:t>
             </a:r>
           </a:p>
@@ -6289,7 +6188,7 @@
             <a:fld id="{FE1EE1F2-881A-40FE-BD70-5C093491CE8F}" type="datetime1">
               <a:rPr lang="es-ES" smtClean="0"/>
               <a:pPr/>
-              <a:t>18/04/2017</a:t>
+              <a:t>15/12/2022</a:t>
             </a:fld>
             <a:endParaRPr lang="es-ES"/>
           </a:p>
@@ -6394,10 +6293,9 @@
           <a:lstStyle/>
           <a:p>
             <a:r>
-              <a:rPr lang="es-ES" smtClean="0"/>
+              <a:rPr lang="es-ES"/>
               <a:t>Haga clic para modificar el estilo de título del patrón</a:t>
             </a:r>
-            <a:endParaRPr lang="es-ES"/>
           </a:p>
         </p:txBody>
       </p:sp>
@@ -6428,38 +6326,37 @@
           <a:p>
             <a:pPr lvl="0"/>
             <a:r>
-              <a:rPr lang="es-ES" smtClean="0"/>
+              <a:rPr lang="es-ES"/>
               <a:t>Haga clic para modificar el estilo de texto del patrón</a:t>
             </a:r>
           </a:p>
           <a:p>
             <a:pPr lvl="1"/>
             <a:r>
-              <a:rPr lang="es-ES" smtClean="0"/>
+              <a:rPr lang="es-ES"/>
               <a:t>Segundo nivel</a:t>
             </a:r>
           </a:p>
           <a:p>
             <a:pPr lvl="2"/>
             <a:r>
-              <a:rPr lang="es-ES" smtClean="0"/>
+              <a:rPr lang="es-ES"/>
               <a:t>Tercer nivel</a:t>
             </a:r>
           </a:p>
           <a:p>
             <a:pPr lvl="3"/>
             <a:r>
-              <a:rPr lang="es-ES" smtClean="0"/>
+              <a:rPr lang="es-ES"/>
               <a:t>Cuarto nivel</a:t>
             </a:r>
           </a:p>
           <a:p>
             <a:pPr lvl="4"/>
             <a:r>
-              <a:rPr lang="es-ES" smtClean="0"/>
+              <a:rPr lang="es-ES"/>
               <a:t>Quinto nivel</a:t>
             </a:r>
-            <a:endParaRPr lang="es-ES"/>
           </a:p>
         </p:txBody>
       </p:sp>
@@ -6499,7 +6396,7 @@
             <a:fld id="{BD33B195-45FF-4AA9-8150-2D95F492AF3C}" type="datetime1">
               <a:rPr lang="es-ES" smtClean="0"/>
               <a:pPr/>
-              <a:t>18/04/2017</a:t>
+              <a:t>15/12/2022</a:t>
             </a:fld>
             <a:endParaRPr lang="es-ES"/>
           </a:p>
@@ -6908,7 +6805,7 @@
           <a:lstStyle/>
           <a:p>
             <a:r>
-              <a:rPr lang="es-ES" sz="11500" b="1" dirty="0" smtClean="0">
+              <a:rPr lang="es-ES" sz="11500" b="1" dirty="0">
                 <a:solidFill>
                   <a:schemeClr val="tx2">
                     <a:lumMod val="40000"/>
@@ -6925,21 +6822,6 @@
               </a:rPr>
               <a:t>ESTADÍSTICA</a:t>
             </a:r>
-            <a:endParaRPr lang="es-ES" sz="11500" b="1" dirty="0">
-              <a:solidFill>
-                <a:schemeClr val="tx2">
-                  <a:lumMod val="40000"/>
-                  <a:lumOff val="60000"/>
-                </a:schemeClr>
-              </a:solidFill>
-              <a:effectLst>
-                <a:outerShdw blurRad="38100" dist="38100" dir="2700000" algn="tl">
-                  <a:srgbClr val="000000">
-                    <a:alpha val="43137"/>
-                  </a:srgbClr>
-                </a:outerShdw>
-              </a:effectLst>
-            </a:endParaRPr>
           </a:p>
         </p:txBody>
       </p:sp>
@@ -6984,7 +6866,7 @@
               <a:defRPr/>
             </a:pPr>
             <a:r>
-              <a:rPr kumimoji="0" lang="es-ES" sz="11500" b="1" i="1" u="none" strike="noStrike" kern="1200" cap="none" spc="0" normalizeH="0" baseline="0" noProof="0" dirty="0" smtClean="0">
+              <a:rPr kumimoji="0" lang="es-ES" sz="11500" b="1" i="1" u="none" strike="noStrike" kern="1200" cap="none" spc="0" normalizeH="0" baseline="0" noProof="0" dirty="0">
                 <a:ln>
                   <a:noFill/>
                 </a:ln>
@@ -7009,29 +6891,6 @@
               </a:rPr>
               <a:t>descriptiva</a:t>
             </a:r>
-            <a:endParaRPr kumimoji="0" lang="es-ES" sz="11500" b="1" i="1" u="none" strike="noStrike" kern="1200" cap="none" spc="0" normalizeH="0" baseline="0" noProof="0" dirty="0">
-              <a:ln>
-                <a:noFill/>
-              </a:ln>
-              <a:solidFill>
-                <a:schemeClr val="tx2">
-                  <a:lumMod val="40000"/>
-                  <a:lumOff val="60000"/>
-                </a:schemeClr>
-              </a:solidFill>
-              <a:effectLst>
-                <a:outerShdw blurRad="38100" dist="38100" dir="2700000" algn="tl">
-                  <a:srgbClr val="000000">
-                    <a:alpha val="43137"/>
-                  </a:srgbClr>
-                </a:outerShdw>
-              </a:effectLst>
-              <a:uLnTx/>
-              <a:uFillTx/>
-              <a:latin typeface="+mj-lt"/>
-              <a:ea typeface="+mj-ea"/>
-              <a:cs typeface="+mj-cs"/>
-            </a:endParaRPr>
           </a:p>
         </p:txBody>
       </p:sp>
@@ -7144,7 +7003,7 @@
                 </a:spcAft>
               </a:pPr>
               <a:r>
-                <a:rPr lang="es-ES" sz="2800" b="1" kern="1200" dirty="0" smtClean="0"/>
+                <a:rPr lang="es-ES" sz="2800" b="1" kern="1200" dirty="0"/>
                 <a:t>04</a:t>
               </a:r>
               <a:endParaRPr lang="es-ES" sz="2800" kern="1200" dirty="0"/>
@@ -7199,18 +7058,13 @@
           <a:lstStyle/>
           <a:p>
             <a:r>
-              <a:rPr lang="es-ES" sz="3600" i="1" dirty="0" smtClean="0">
+              <a:rPr lang="es-ES" sz="3600" i="1" dirty="0">
                 <a:solidFill>
                   <a:srgbClr val="FFFF00"/>
                 </a:solidFill>
               </a:rPr>
               <a:t>Marcelo Monferrato</a:t>
             </a:r>
-            <a:endParaRPr lang="es-ES" sz="3600" i="1" dirty="0">
-              <a:solidFill>
-                <a:srgbClr val="FFFF00"/>
-              </a:solidFill>
-            </a:endParaRPr>
           </a:p>
         </p:txBody>
       </p:sp>
@@ -7219,13 +7073,6 @@
   <p:clrMapOvr>
     <a:masterClrMapping/>
   </p:clrMapOvr>
-  <p:timing>
-    <p:tnLst>
-      <p:par>
-        <p:cTn id="1" dur="indefinite" restart="never" nodeType="tmRoot"/>
-      </p:par>
-    </p:tnLst>
-  </p:timing>
 </p:sld>
 </file>
 
@@ -7284,7 +7131,7 @@
           <a:lstStyle/>
           <a:p>
             <a:r>
-              <a:rPr lang="es-ES" b="1" dirty="0" smtClean="0">
+              <a:rPr lang="es-ES" b="1" dirty="0">
                 <a:solidFill>
                   <a:schemeClr val="tx2">
                     <a:lumMod val="40000"/>
@@ -7329,20 +7176,20 @@
           <a:p>
             <a:pPr algn="just"/>
             <a:r>
-              <a:rPr lang="es-ES" sz="1400" dirty="0" smtClean="0"/>
+              <a:rPr lang="es-ES" sz="1400" dirty="0"/>
               <a:t>Extractos del libro LEVIN, Richard; RUBIN, David - Estadística para Administración y Economía (7ma </a:t>
             </a:r>
             <a:r>
-              <a:rPr lang="es-ES" sz="1400" dirty="0" err="1" smtClean="0"/>
+              <a:rPr lang="es-ES" sz="1400" dirty="0" err="1"/>
               <a:t>ed</a:t>
             </a:r>
             <a:r>
-              <a:rPr lang="es-ES" sz="1400" dirty="0" smtClean="0"/>
+              <a:rPr lang="es-ES" sz="1400" dirty="0"/>
               <a:t> revisada)</a:t>
             </a:r>
           </a:p>
           <a:p>
-            <a:endParaRPr lang="es-ES" dirty="0" smtClean="0"/>
+            <a:endParaRPr lang="es-ES" dirty="0"/>
           </a:p>
           <a:p>
             <a:endParaRPr lang="es-ES" dirty="0"/>
@@ -7430,13 +7277,6 @@
   <p:transition>
     <p:fade/>
   </p:transition>
-  <p:timing>
-    <p:tnLst>
-      <p:par>
-        <p:cTn id="1" dur="indefinite" restart="never" nodeType="tmRoot"/>
-      </p:par>
-    </p:tnLst>
-  </p:timing>
 </p:sld>
 </file>
 
@@ -7489,7 +7329,7 @@
           <a:lstStyle/>
           <a:p>
             <a:r>
-              <a:rPr lang="es-ES" sz="4000" b="1" dirty="0" smtClean="0">
+              <a:rPr lang="es-ES" sz="4000" b="1" dirty="0">
                 <a:solidFill>
                   <a:schemeClr val="tx2">
                     <a:lumMod val="40000"/>
@@ -7507,7 +7347,7 @@
               <a:t>Media Aritmética </a:t>
             </a:r>
             <a:br>
-              <a:rPr lang="es-ES" sz="4000" b="1" dirty="0" smtClean="0">
+              <a:rPr lang="es-ES" sz="4000" b="1" dirty="0">
                 <a:solidFill>
                   <a:schemeClr val="tx2">
                     <a:lumMod val="40000"/>
@@ -7524,7 +7364,7 @@
               </a:rPr>
             </a:br>
             <a:r>
-              <a:rPr lang="es-ES" sz="4000" b="1" dirty="0" smtClean="0">
+              <a:rPr lang="es-ES" sz="4000" b="1" dirty="0">
                 <a:solidFill>
                   <a:schemeClr val="tx2">
                     <a:lumMod val="40000"/>
@@ -7569,20 +7409,20 @@
           <a:p>
             <a:pPr algn="just"/>
             <a:r>
-              <a:rPr lang="es-ES" sz="1400" dirty="0" smtClean="0"/>
+              <a:rPr lang="es-ES" sz="1400" dirty="0"/>
               <a:t>Extractos del libro LEVIN, Richard; RUBIN, David - Estadística para Administración y Economía (7ma </a:t>
             </a:r>
             <a:r>
-              <a:rPr lang="es-ES" sz="1400" dirty="0" err="1" smtClean="0"/>
+              <a:rPr lang="es-ES" sz="1400" dirty="0" err="1"/>
               <a:t>ed</a:t>
             </a:r>
             <a:r>
-              <a:rPr lang="es-ES" sz="1400" dirty="0" smtClean="0"/>
+              <a:rPr lang="es-ES" sz="1400" dirty="0"/>
               <a:t> revisada)</a:t>
             </a:r>
           </a:p>
           <a:p>
-            <a:endParaRPr lang="es-ES" dirty="0" smtClean="0"/>
+            <a:endParaRPr lang="es-ES" dirty="0"/>
           </a:p>
           <a:p>
             <a:endParaRPr lang="es-ES" dirty="0"/>
@@ -7661,14 +7501,13 @@
           <a:p>
             <a:pPr algn="ctr"/>
             <a:r>
-              <a:rPr lang="es-ES" sz="2000" b="1" u="sng" dirty="0" smtClean="0"/>
+              <a:rPr lang="es-ES" sz="2000" b="1" u="sng" dirty="0"/>
               <a:t>NOTA</a:t>
             </a:r>
             <a:r>
-              <a:rPr lang="es-ES" sz="2000" dirty="0" smtClean="0"/>
+              <a:rPr lang="es-ES" sz="2000" dirty="0"/>
               <a:t>: Se trata de una fórmula práctica para resolver los ejercicios cuando los números se tornan muy grandes para trabajar a mano.</a:t>
             </a:r>
-            <a:endParaRPr lang="es-ES" sz="2000" dirty="0"/>
           </a:p>
         </p:txBody>
       </p:sp>
@@ -7701,13 +7540,6 @@
   <p:clrMapOvr>
     <a:masterClrMapping/>
   </p:clrMapOvr>
-  <p:timing>
-    <p:tnLst>
-      <p:par>
-        <p:cTn id="1" dur="indefinite" restart="never" nodeType="tmRoot"/>
-      </p:par>
-    </p:tnLst>
-  </p:timing>
 </p:sld>
 </file>
 
@@ -7766,7 +7598,7 @@
           <a:lstStyle/>
           <a:p>
             <a:r>
-              <a:rPr lang="es-ES" b="1" dirty="0" smtClean="0">
+              <a:rPr lang="es-ES" b="1" dirty="0">
                 <a:solidFill>
                   <a:schemeClr val="tx2">
                     <a:lumMod val="40000"/>
@@ -7811,20 +7643,20 @@
           <a:p>
             <a:pPr algn="just"/>
             <a:r>
-              <a:rPr lang="es-ES" sz="1400" dirty="0" smtClean="0"/>
+              <a:rPr lang="es-ES" sz="1400" dirty="0"/>
               <a:t>Extractos del libro LEVIN, Richard; RUBIN, David - Estadística para Administración y Economía (7ma </a:t>
             </a:r>
             <a:r>
-              <a:rPr lang="es-ES" sz="1400" dirty="0" err="1" smtClean="0"/>
+              <a:rPr lang="es-ES" sz="1400" dirty="0" err="1"/>
               <a:t>ed</a:t>
             </a:r>
             <a:r>
-              <a:rPr lang="es-ES" sz="1400" dirty="0" smtClean="0"/>
+              <a:rPr lang="es-ES" sz="1400" dirty="0"/>
               <a:t> revisada)</a:t>
             </a:r>
           </a:p>
           <a:p>
-            <a:endParaRPr lang="es-ES" dirty="0" smtClean="0"/>
+            <a:endParaRPr lang="es-ES" dirty="0"/>
           </a:p>
           <a:p>
             <a:endParaRPr lang="es-ES" dirty="0"/>
@@ -7868,10 +7700,9 @@
           <a:p>
             <a:pPr algn="ctr"/>
             <a:r>
-              <a:rPr lang="es-ES" sz="2000" dirty="0" smtClean="0"/>
+              <a:rPr lang="es-ES" sz="2000" dirty="0"/>
               <a:t>Para usar la fórmula [3-4] se asigna el 0 a uno de los intervalos y números enteros correlativos (+ o -) a los demás intervalos</a:t>
             </a:r>
-            <a:endParaRPr lang="es-ES" sz="2000" dirty="0"/>
           </a:p>
         </p:txBody>
       </p:sp>
@@ -7939,13 +7770,6 @@
   <p:transition>
     <p:fade/>
   </p:transition>
-  <p:timing>
-    <p:tnLst>
-      <p:par>
-        <p:cTn id="1" dur="indefinite" restart="never" nodeType="tmRoot"/>
-      </p:par>
-    </p:tnLst>
-  </p:timing>
 </p:sld>
 </file>
 
@@ -8004,7 +7828,7 @@
           <a:lstStyle/>
           <a:p>
             <a:r>
-              <a:rPr lang="es-ES" b="1" dirty="0" smtClean="0">
+              <a:rPr lang="es-ES" b="1" dirty="0">
                 <a:solidFill>
                   <a:schemeClr val="tx2">
                     <a:lumMod val="40000"/>
@@ -8268,7 +8092,7 @@
           <a:lstStyle/>
           <a:p>
             <a:r>
-              <a:rPr lang="es-ES" b="1" dirty="0" smtClean="0">
+              <a:rPr lang="es-ES" b="1" dirty="0">
                 <a:solidFill>
                   <a:schemeClr val="tx2">
                     <a:lumMod val="40000"/>
@@ -8313,20 +8137,20 @@
           <a:p>
             <a:pPr algn="just"/>
             <a:r>
-              <a:rPr lang="es-ES" sz="1400" dirty="0" smtClean="0"/>
+              <a:rPr lang="es-ES" sz="1400" dirty="0"/>
               <a:t>Extractos del libro LEVIN, Richard; RUBIN, David - Estadística para Administración y Economía (7ma </a:t>
             </a:r>
             <a:r>
-              <a:rPr lang="es-ES" sz="1400" dirty="0" err="1" smtClean="0"/>
+              <a:rPr lang="es-ES" sz="1400" dirty="0" err="1"/>
               <a:t>ed</a:t>
             </a:r>
             <a:r>
-              <a:rPr lang="es-ES" sz="1400" dirty="0" smtClean="0"/>
+              <a:rPr lang="es-ES" sz="1400" dirty="0"/>
               <a:t> revisada)</a:t>
             </a:r>
           </a:p>
           <a:p>
-            <a:endParaRPr lang="es-ES" dirty="0" smtClean="0"/>
+            <a:endParaRPr lang="es-ES" dirty="0"/>
           </a:p>
           <a:p>
             <a:endParaRPr lang="es-ES" dirty="0"/>
@@ -8400,13 +8224,6 @@
   <p:transition>
     <p:fade/>
   </p:transition>
-  <p:timing>
-    <p:tnLst>
-      <p:par>
-        <p:cTn id="1" dur="indefinite" restart="never" nodeType="tmRoot"/>
-      </p:par>
-    </p:tnLst>
-  </p:timing>
 </p:sld>
 </file>
 
@@ -8465,7 +8282,7 @@
           <a:lstStyle/>
           <a:p>
             <a:r>
-              <a:rPr lang="es-ES" b="1" dirty="0" smtClean="0">
+              <a:rPr lang="es-ES" b="1" dirty="0">
                 <a:solidFill>
                   <a:schemeClr val="tx2">
                     <a:lumMod val="40000"/>
@@ -8510,20 +8327,20 @@
           <a:p>
             <a:pPr algn="just"/>
             <a:r>
-              <a:rPr lang="es-ES" sz="1400" dirty="0" smtClean="0"/>
+              <a:rPr lang="es-ES" sz="1400" dirty="0"/>
               <a:t>Extractos del libro LEVIN, Richard; RUBIN, David - Estadística para Administración y Economía (7ma </a:t>
             </a:r>
             <a:r>
-              <a:rPr lang="es-ES" sz="1400" dirty="0" err="1" smtClean="0"/>
+              <a:rPr lang="es-ES" sz="1400" dirty="0" err="1"/>
               <a:t>ed</a:t>
             </a:r>
             <a:r>
-              <a:rPr lang="es-ES" sz="1400" dirty="0" smtClean="0"/>
+              <a:rPr lang="es-ES" sz="1400" dirty="0"/>
               <a:t> revisada)</a:t>
             </a:r>
           </a:p>
           <a:p>
-            <a:endParaRPr lang="es-ES" dirty="0" smtClean="0"/>
+            <a:endParaRPr lang="es-ES" dirty="0"/>
           </a:p>
           <a:p>
             <a:endParaRPr lang="es-ES" dirty="0"/>
@@ -8606,7 +8423,7 @@
               <a:defRPr/>
             </a:pPr>
             <a:r>
-              <a:rPr kumimoji="0" lang="es-ES" sz="4400" b="1" i="0" u="none" strike="noStrike" kern="1200" cap="none" spc="0" normalizeH="0" baseline="0" noProof="0" dirty="0" smtClean="0">
+              <a:rPr kumimoji="0" lang="es-ES" sz="4400" b="1" i="0" u="none" strike="noStrike" kern="1200" cap="none" spc="0" normalizeH="0" baseline="0" noProof="0" dirty="0">
                 <a:ln>
                   <a:noFill/>
                 </a:ln>
@@ -8888,7 +8705,7 @@
           <a:lstStyle/>
           <a:p>
             <a:r>
-              <a:rPr lang="es-ES" b="1" dirty="0" smtClean="0">
+              <a:rPr lang="es-ES" b="1" dirty="0">
                 <a:solidFill>
                   <a:schemeClr val="tx2">
                     <a:lumMod val="40000"/>
@@ -9086,10 +8903,9 @@
           <a:p>
             <a:pPr algn="ctr"/>
             <a:r>
-              <a:rPr lang="es-ES" sz="2000" dirty="0" smtClean="0"/>
+              <a:rPr lang="es-ES" sz="2000" dirty="0"/>
               <a:t>En la media ponderada, no todos los valores tienen el mismo peso, y esto se toma en cuenta a la hora de calcularla.</a:t>
             </a:r>
-            <a:endParaRPr lang="es-ES" sz="2000" dirty="0"/>
           </a:p>
         </p:txBody>
       </p:sp>
@@ -9125,13 +8941,6 @@
   <p:transition>
     <p:fade/>
   </p:transition>
-  <p:timing>
-    <p:tnLst>
-      <p:par>
-        <p:cTn id="1" dur="indefinite" restart="never" nodeType="tmRoot"/>
-      </p:par>
-    </p:tnLst>
-  </p:timing>
 </p:sld>
 </file>
 
@@ -9190,7 +8999,7 @@
           <a:lstStyle/>
           <a:p>
             <a:r>
-              <a:rPr lang="es-ES" b="1" dirty="0" smtClean="0">
+              <a:rPr lang="es-ES" b="1" dirty="0">
                 <a:solidFill>
                   <a:schemeClr val="tx2">
                     <a:lumMod val="40000"/>
@@ -9235,20 +9044,20 @@
           <a:p>
             <a:pPr algn="just"/>
             <a:r>
-              <a:rPr lang="es-ES" sz="1400" dirty="0" smtClean="0"/>
+              <a:rPr lang="es-ES" sz="1400" dirty="0"/>
               <a:t>Extractos del libro LEVIN, Richard; RUBIN, David - Estadística para Administración y Economía (7ma </a:t>
             </a:r>
             <a:r>
-              <a:rPr lang="es-ES" sz="1400" dirty="0" err="1" smtClean="0"/>
+              <a:rPr lang="es-ES" sz="1400" dirty="0" err="1"/>
               <a:t>ed</a:t>
             </a:r>
             <a:r>
-              <a:rPr lang="es-ES" sz="1400" dirty="0" smtClean="0"/>
+              <a:rPr lang="es-ES" sz="1400" dirty="0"/>
               <a:t> revisada)</a:t>
             </a:r>
           </a:p>
           <a:p>
-            <a:endParaRPr lang="es-ES" dirty="0" smtClean="0"/>
+            <a:endParaRPr lang="es-ES" dirty="0"/>
           </a:p>
           <a:p>
             <a:endParaRPr lang="es-ES" dirty="0"/>
@@ -9296,7 +9105,7 @@
               <a:defRPr/>
             </a:pPr>
             <a:r>
-              <a:rPr kumimoji="0" lang="es-ES" sz="4400" b="1" i="0" u="none" strike="noStrike" kern="1200" cap="none" spc="0" normalizeH="0" baseline="0" noProof="0" dirty="0" smtClean="0">
+              <a:rPr kumimoji="0" lang="es-ES" sz="4400" b="1" i="0" u="none" strike="noStrike" kern="1200" cap="none" spc="0" normalizeH="0" baseline="0" noProof="0" dirty="0">
                 <a:ln>
                   <a:noFill/>
                 </a:ln>
@@ -9584,10 +9393,9 @@
           <a:p>
             <a:pPr algn="ctr"/>
             <a:r>
-              <a:rPr lang="es-ES" dirty="0" smtClean="0"/>
+              <a:rPr lang="es-ES" dirty="0"/>
               <a:t>Esto es una ponderación</a:t>
             </a:r>
-            <a:endParaRPr lang="es-ES" dirty="0"/>
           </a:p>
         </p:txBody>
       </p:sp>
@@ -9664,10 +9472,9 @@
           <a:p>
             <a:pPr algn="ctr"/>
             <a:r>
-              <a:rPr lang="es-ES" dirty="0" smtClean="0"/>
+              <a:rPr lang="es-ES" dirty="0"/>
               <a:t>Otra ponderación</a:t>
             </a:r>
-            <a:endParaRPr lang="es-ES" dirty="0"/>
           </a:p>
         </p:txBody>
       </p:sp>
@@ -9778,17 +9585,16 @@
           <a:p>
             <a:pPr algn="ctr"/>
             <a:r>
-              <a:rPr lang="es-ES" dirty="0" smtClean="0"/>
+              <a:rPr lang="es-ES" dirty="0"/>
               <a:t>Resuelto con</a:t>
             </a:r>
           </a:p>
           <a:p>
             <a:pPr algn="ctr"/>
             <a:r>
-              <a:rPr lang="es-ES" dirty="0" smtClean="0"/>
+              <a:rPr lang="es-ES" dirty="0"/>
               <a:t>Media Aritmética</a:t>
             </a:r>
-            <a:endParaRPr lang="es-ES" dirty="0"/>
           </a:p>
         </p:txBody>
       </p:sp>
@@ -9829,17 +9635,16 @@
           <a:p>
             <a:pPr algn="ctr"/>
             <a:r>
-              <a:rPr lang="es-ES" dirty="0" smtClean="0"/>
+              <a:rPr lang="es-ES" dirty="0"/>
               <a:t>Resuelto con </a:t>
             </a:r>
           </a:p>
           <a:p>
             <a:pPr algn="ctr"/>
             <a:r>
-              <a:rPr lang="es-ES" dirty="0" smtClean="0"/>
+              <a:rPr lang="es-ES" dirty="0"/>
               <a:t>Media Ponderada</a:t>
             </a:r>
-            <a:endParaRPr lang="es-ES" dirty="0"/>
           </a:p>
         </p:txBody>
       </p:sp>
@@ -10039,8 +9844,8 @@
         </p:nvSpPr>
         <p:spPr>
           <a:xfrm>
-            <a:off x="899592" y="4005064"/>
-            <a:ext cx="7128792" cy="2160240"/>
+            <a:off x="-2112626" y="296652"/>
+            <a:ext cx="2400150" cy="5760640"/>
           </a:xfrm>
           <a:prstGeom prst="roundRect">
             <a:avLst/>
@@ -10067,23 +9872,22 @@
           <a:lstStyle/>
           <a:p>
             <a:r>
-              <a:rPr lang="es-ES" sz="2000" b="1" u="sng" dirty="0" smtClean="0"/>
+              <a:rPr lang="es-ES" sz="2000" b="1" u="sng" dirty="0"/>
               <a:t>IMPORTANTE</a:t>
             </a:r>
             <a:r>
-              <a:rPr lang="es-ES" sz="2000" dirty="0" smtClean="0"/>
+              <a:rPr lang="es-ES" sz="2000" dirty="0"/>
               <a:t>: Realice el cálculo de la media ponderada con la segunda ponderación y verifique un costo de $6.80 por hora.</a:t>
             </a:r>
           </a:p>
           <a:p>
-            <a:endParaRPr lang="es-ES" sz="2000" dirty="0" smtClean="0"/>
-          </a:p>
-          <a:p>
-            <a:r>
-              <a:rPr lang="es-ES" sz="2000" dirty="0" smtClean="0"/>
+            <a:endParaRPr lang="es-ES" sz="2000" dirty="0"/>
+          </a:p>
+          <a:p>
+            <a:r>
+              <a:rPr lang="es-ES" sz="2000" dirty="0"/>
               <a:t>Para ello tenga en cuenta que las fracciones serán 4/10, 3/10 y 3/10. ¿Comprende por qué?</a:t>
             </a:r>
-            <a:endParaRPr lang="es-ES" sz="2000" dirty="0"/>
           </a:p>
         </p:txBody>
       </p:sp>
@@ -11398,7 +11202,7 @@
           <a:lstStyle/>
           <a:p>
             <a:r>
-              <a:rPr lang="es-ES" b="1" dirty="0" smtClean="0">
+              <a:rPr lang="es-ES" b="1" dirty="0">
                 <a:solidFill>
                   <a:schemeClr val="tx2">
                     <a:lumMod val="40000"/>
@@ -11443,20 +11247,20 @@
           <a:p>
             <a:pPr algn="just"/>
             <a:r>
-              <a:rPr lang="es-ES" sz="1400" dirty="0" smtClean="0"/>
+              <a:rPr lang="es-ES" sz="1400" dirty="0"/>
               <a:t>Extractos del libro LEVIN, Richard; RUBIN, David - Estadística para Administración y Economía (7ma </a:t>
             </a:r>
             <a:r>
-              <a:rPr lang="es-ES" sz="1400" dirty="0" err="1" smtClean="0"/>
+              <a:rPr lang="es-ES" sz="1400" dirty="0" err="1"/>
               <a:t>ed</a:t>
             </a:r>
             <a:r>
-              <a:rPr lang="es-ES" sz="1400" dirty="0" smtClean="0"/>
+              <a:rPr lang="es-ES" sz="1400" dirty="0"/>
               <a:t> revisada)</a:t>
             </a:r>
           </a:p>
           <a:p>
-            <a:endParaRPr lang="es-ES" dirty="0" smtClean="0"/>
+            <a:endParaRPr lang="es-ES" dirty="0"/>
           </a:p>
           <a:p>
             <a:endParaRPr lang="es-ES" dirty="0"/>
@@ -11562,13 +11366,6 @@
   <p:transition>
     <p:fade/>
   </p:transition>
-  <p:timing>
-    <p:tnLst>
-      <p:par>
-        <p:cTn id="1" dur="indefinite" restart="never" nodeType="tmRoot"/>
-      </p:par>
-    </p:tnLst>
-  </p:timing>
 </p:sld>
 </file>
 
@@ -11627,7 +11424,7 @@
           <a:lstStyle/>
           <a:p>
             <a:r>
-              <a:rPr lang="es-ES" b="1" dirty="0" smtClean="0">
+              <a:rPr lang="es-ES" b="1" dirty="0">
                 <a:solidFill>
                   <a:schemeClr val="tx2">
                     <a:lumMod val="40000"/>
@@ -11672,20 +11469,20 @@
           <a:p>
             <a:pPr algn="just"/>
             <a:r>
-              <a:rPr lang="es-ES" sz="1400" dirty="0" smtClean="0"/>
+              <a:rPr lang="es-ES" sz="1400" dirty="0"/>
               <a:t>Extractos del libro LEVIN, Richard; RUBIN, David - Estadística para Administración y Economía (7ma </a:t>
             </a:r>
             <a:r>
-              <a:rPr lang="es-ES" sz="1400" dirty="0" err="1" smtClean="0"/>
+              <a:rPr lang="es-ES" sz="1400" dirty="0" err="1"/>
               <a:t>ed</a:t>
             </a:r>
             <a:r>
-              <a:rPr lang="es-ES" sz="1400" dirty="0" smtClean="0"/>
+              <a:rPr lang="es-ES" sz="1400" dirty="0"/>
               <a:t> revisada)</a:t>
             </a:r>
           </a:p>
           <a:p>
-            <a:endParaRPr lang="es-ES" dirty="0" smtClean="0"/>
+            <a:endParaRPr lang="es-ES" dirty="0"/>
           </a:p>
           <a:p>
             <a:endParaRPr lang="es-ES" dirty="0"/>
@@ -11794,13 +11591,6 @@
   <p:transition>
     <p:fade/>
   </p:transition>
-  <p:timing>
-    <p:tnLst>
-      <p:par>
-        <p:cTn id="1" dur="indefinite" restart="never" nodeType="tmRoot"/>
-      </p:par>
-    </p:tnLst>
-  </p:timing>
 </p:sld>
 </file>
 
@@ -11877,7 +11667,7 @@
               <a:defRPr/>
             </a:pPr>
             <a:r>
-              <a:rPr kumimoji="0" lang="es-ES" sz="11500" b="1" i="1" u="none" strike="noStrike" kern="1200" cap="none" spc="0" normalizeH="0" baseline="0" noProof="0" dirty="0" smtClean="0">
+              <a:rPr kumimoji="0" lang="es-ES" sz="11500" b="1" i="1" u="none" strike="noStrike" kern="1200" cap="none" spc="0" normalizeH="0" baseline="0" noProof="0" dirty="0">
                 <a:ln>
                   <a:noFill/>
                 </a:ln>
@@ -11902,29 +11692,6 @@
               </a:rPr>
               <a:t>Temas:</a:t>
             </a:r>
-            <a:endParaRPr kumimoji="0" lang="es-ES" sz="11500" b="1" i="1" u="none" strike="noStrike" kern="1200" cap="none" spc="0" normalizeH="0" baseline="0" noProof="0" dirty="0">
-              <a:ln>
-                <a:noFill/>
-              </a:ln>
-              <a:solidFill>
-                <a:schemeClr val="tx2">
-                  <a:lumMod val="40000"/>
-                  <a:lumOff val="60000"/>
-                </a:schemeClr>
-              </a:solidFill>
-              <a:effectLst>
-                <a:outerShdw blurRad="38100" dist="38100" dir="2700000" algn="tl">
-                  <a:srgbClr val="000000">
-                    <a:alpha val="43137"/>
-                  </a:srgbClr>
-                </a:outerShdw>
-              </a:effectLst>
-              <a:uLnTx/>
-              <a:uFillTx/>
-              <a:latin typeface="+mj-lt"/>
-              <a:ea typeface="+mj-ea"/>
-              <a:cs typeface="+mj-cs"/>
-            </a:endParaRPr>
           </a:p>
         </p:txBody>
       </p:sp>
@@ -11950,7 +11717,7 @@
           </a:bodyPr>
           <a:lstStyle/>
           <a:p>
-            <a:endParaRPr lang="es-ES" sz="1200" dirty="0" smtClean="0"/>
+            <a:endParaRPr lang="es-ES" sz="1200" dirty="0"/>
           </a:p>
           <a:p>
             <a:pPr lvl="1">
@@ -11958,7 +11725,7 @@
               <a:buChar char="•"/>
             </a:pPr>
             <a:r>
-              <a:rPr lang="es-ES" sz="2800" i="1" dirty="0" smtClean="0"/>
+              <a:rPr lang="es-ES" sz="2800" i="1" dirty="0"/>
               <a:t>Medidas descriptivas.</a:t>
             </a:r>
           </a:p>
@@ -11968,7 +11735,7 @@
               <a:buChar char="•"/>
             </a:pPr>
             <a:r>
-              <a:rPr lang="es-ES" sz="2800" i="1" dirty="0" smtClean="0"/>
+              <a:rPr lang="es-ES" sz="2800" i="1" dirty="0"/>
               <a:t>Medidas de tendencia central (centralización). </a:t>
             </a:r>
           </a:p>
@@ -11978,7 +11745,7 @@
               <a:buChar char="•"/>
             </a:pPr>
             <a:r>
-              <a:rPr lang="es-ES" sz="2800" i="1" dirty="0" smtClean="0"/>
+              <a:rPr lang="es-ES" sz="2800" i="1" dirty="0"/>
               <a:t>Media Aritmética</a:t>
             </a:r>
           </a:p>
@@ -11988,7 +11755,7 @@
               <a:buChar char="•"/>
             </a:pPr>
             <a:r>
-              <a:rPr lang="es-ES" sz="2800" i="1" dirty="0" smtClean="0"/>
+              <a:rPr lang="es-ES" sz="2800" i="1" dirty="0"/>
               <a:t>Media Ponderada</a:t>
             </a:r>
           </a:p>
@@ -11998,7 +11765,7 @@
               <a:buChar char="•"/>
             </a:pPr>
             <a:r>
-              <a:rPr lang="es-ES" sz="2800" i="1" dirty="0" smtClean="0"/>
+              <a:rPr lang="es-ES" sz="2800" i="1" dirty="0"/>
               <a:t>Media Geométrica</a:t>
             </a:r>
           </a:p>
@@ -12008,7 +11775,7 @@
               <a:buChar char="•"/>
             </a:pPr>
             <a:r>
-              <a:rPr lang="es-ES" sz="2800" i="1" dirty="0" smtClean="0"/>
+              <a:rPr lang="es-ES" sz="2800" i="1" dirty="0"/>
               <a:t>Mediana</a:t>
             </a:r>
           </a:p>
@@ -12018,7 +11785,7 @@
               <a:buChar char="•"/>
             </a:pPr>
             <a:r>
-              <a:rPr lang="es-ES" sz="2800" i="1" dirty="0" smtClean="0"/>
+              <a:rPr lang="es-ES" sz="2800" i="1" dirty="0"/>
               <a:t>Moda</a:t>
             </a:r>
           </a:p>
@@ -12028,7 +11795,7 @@
               <a:buChar char="•"/>
             </a:pPr>
             <a:r>
-              <a:rPr lang="es-ES" sz="2800" i="1" dirty="0" smtClean="0"/>
+              <a:rPr lang="es-ES" sz="2800" i="1" dirty="0"/>
               <a:t>Medidas de dispersión o variabilidad.</a:t>
             </a:r>
           </a:p>
@@ -12038,7 +11805,7 @@
               <a:buChar char="•"/>
             </a:pPr>
             <a:r>
-              <a:rPr lang="es-ES" sz="2800" i="1" dirty="0" smtClean="0"/>
+              <a:rPr lang="es-ES" sz="2800" i="1" dirty="0"/>
               <a:t>Rango</a:t>
             </a:r>
           </a:p>
@@ -12048,7 +11815,7 @@
               <a:buChar char="•"/>
             </a:pPr>
             <a:r>
-              <a:rPr lang="es-ES" sz="2800" i="1" dirty="0" smtClean="0"/>
+              <a:rPr lang="es-ES" sz="2800" i="1" dirty="0"/>
               <a:t>Desviación desde la media</a:t>
             </a:r>
           </a:p>
@@ -12058,7 +11825,7 @@
               <a:buChar char="•"/>
             </a:pPr>
             <a:r>
-              <a:rPr lang="es-ES" sz="2800" i="1" dirty="0" smtClean="0"/>
+              <a:rPr lang="es-ES" sz="2800" i="1" dirty="0"/>
               <a:t>Desviación media absoluta</a:t>
             </a:r>
           </a:p>
@@ -12068,7 +11835,7 @@
               <a:buChar char="•"/>
             </a:pPr>
             <a:r>
-              <a:rPr lang="es-ES" sz="2800" i="1" dirty="0" smtClean="0"/>
+              <a:rPr lang="es-ES" sz="2800" i="1" dirty="0"/>
               <a:t>Varianza</a:t>
             </a:r>
           </a:p>
@@ -12078,7 +11845,7 @@
               <a:buChar char="•"/>
             </a:pPr>
             <a:r>
-              <a:rPr lang="es-ES" sz="2800" i="1" dirty="0" smtClean="0"/>
+              <a:rPr lang="es-ES" sz="2800" i="1" dirty="0"/>
               <a:t>Desviación estándar</a:t>
             </a:r>
           </a:p>
@@ -12088,7 +11855,7 @@
               <a:buChar char="•"/>
             </a:pPr>
             <a:r>
-              <a:rPr lang="es-ES" sz="2800" i="1" dirty="0" smtClean="0"/>
+              <a:rPr lang="es-ES" sz="2800" i="1" dirty="0"/>
               <a:t>Coeficiente de Variación</a:t>
             </a:r>
           </a:p>
@@ -12098,7 +11865,7 @@
               <a:buChar char="•"/>
             </a:pPr>
             <a:r>
-              <a:rPr lang="es-ES" sz="2800" i="1" dirty="0" smtClean="0"/>
+              <a:rPr lang="es-ES" sz="2800" i="1" dirty="0"/>
               <a:t>Ejercicios de Aplicación.</a:t>
             </a:r>
             <a:endParaRPr lang="es-ES" sz="2800" dirty="0"/>
@@ -12134,13 +11901,6 @@
   <p:clrMapOvr>
     <a:masterClrMapping/>
   </p:clrMapOvr>
-  <p:timing>
-    <p:tnLst>
-      <p:par>
-        <p:cTn id="1" dur="indefinite" restart="never" nodeType="tmRoot"/>
-      </p:par>
-    </p:tnLst>
-  </p:timing>
 </p:sld>
 </file>
 
@@ -12199,7 +11959,7 @@
           <a:lstStyle/>
           <a:p>
             <a:r>
-              <a:rPr lang="es-ES" b="1" dirty="0" smtClean="0">
+              <a:rPr lang="es-ES" b="1" dirty="0">
                 <a:solidFill>
                   <a:schemeClr val="tx2">
                     <a:lumMod val="40000"/>
@@ -12244,20 +12004,20 @@
           <a:p>
             <a:pPr algn="just"/>
             <a:r>
-              <a:rPr lang="es-ES" sz="1400" dirty="0" smtClean="0"/>
+              <a:rPr lang="es-ES" sz="1400" dirty="0"/>
               <a:t>Extractos del libro LEVIN, Richard; RUBIN, David - Estadística para Administración y Economía (7ma </a:t>
             </a:r>
             <a:r>
-              <a:rPr lang="es-ES" sz="1400" dirty="0" err="1" smtClean="0"/>
+              <a:rPr lang="es-ES" sz="1400" dirty="0" err="1"/>
               <a:t>ed</a:t>
             </a:r>
             <a:r>
-              <a:rPr lang="es-ES" sz="1400" dirty="0" smtClean="0"/>
+              <a:rPr lang="es-ES" sz="1400" dirty="0"/>
               <a:t> revisada)</a:t>
             </a:r>
           </a:p>
           <a:p>
-            <a:endParaRPr lang="es-ES" dirty="0" smtClean="0"/>
+            <a:endParaRPr lang="es-ES" dirty="0"/>
           </a:p>
           <a:p>
             <a:endParaRPr lang="es-ES" dirty="0"/>
@@ -12340,7 +12100,7 @@
               <a:defRPr/>
             </a:pPr>
             <a:r>
-              <a:rPr kumimoji="0" lang="es-ES" sz="4400" b="1" i="0" u="none" strike="noStrike" kern="1200" cap="none" spc="0" normalizeH="0" baseline="0" noProof="0" dirty="0" smtClean="0">
+              <a:rPr kumimoji="0" lang="es-ES" sz="4400" b="1" i="0" u="none" strike="noStrike" kern="1200" cap="none" spc="0" normalizeH="0" baseline="0" noProof="0" dirty="0">
                 <a:ln>
                   <a:noFill/>
                 </a:ln>
@@ -12622,7 +12382,7 @@
           <a:lstStyle/>
           <a:p>
             <a:r>
-              <a:rPr lang="es-ES" b="1" dirty="0" smtClean="0">
+              <a:rPr lang="es-ES" b="1" dirty="0">
                 <a:solidFill>
                   <a:schemeClr val="tx2">
                     <a:lumMod val="40000"/>
@@ -12678,10 +12438,9 @@
           <a:p>
             <a:pPr algn="ctr"/>
             <a:r>
-              <a:rPr lang="es-ES" sz="2000" dirty="0" smtClean="0"/>
+              <a:rPr lang="es-ES" sz="2000" dirty="0"/>
               <a:t>Se utiliza cuando los valores cambian con el tiempo. Por ejemplo, en la tasa de crecimiento de una población, o el dinero depositado en un plazo fijo.</a:t>
             </a:r>
-            <a:endParaRPr lang="es-ES" sz="2000" dirty="0"/>
           </a:p>
         </p:txBody>
       </p:sp>
@@ -12752,13 +12511,6 @@
   <p:transition>
     <p:fade/>
   </p:transition>
-  <p:timing>
-    <p:tnLst>
-      <p:par>
-        <p:cTn id="1" dur="indefinite" restart="never" nodeType="tmRoot"/>
-      </p:par>
-    </p:tnLst>
-  </p:timing>
 </p:sld>
 </file>
 
@@ -12817,7 +12569,7 @@
           <a:lstStyle/>
           <a:p>
             <a:r>
-              <a:rPr lang="es-ES" b="1" dirty="0" smtClean="0">
+              <a:rPr lang="es-ES" b="1" dirty="0">
                 <a:solidFill>
                   <a:schemeClr val="tx2">
                     <a:lumMod val="40000"/>
@@ -12862,20 +12614,20 @@
           <a:p>
             <a:pPr algn="just"/>
             <a:r>
-              <a:rPr lang="es-ES" sz="1400" dirty="0" smtClean="0"/>
+              <a:rPr lang="es-ES" sz="1400" dirty="0"/>
               <a:t>Extractos del libro LEVIN, Richard; RUBIN, David - Estadística para Administración y Economía (7ma </a:t>
             </a:r>
             <a:r>
-              <a:rPr lang="es-ES" sz="1400" dirty="0" err="1" smtClean="0"/>
+              <a:rPr lang="es-ES" sz="1400" dirty="0" err="1"/>
               <a:t>ed</a:t>
             </a:r>
             <a:r>
-              <a:rPr lang="es-ES" sz="1400" dirty="0" smtClean="0"/>
+              <a:rPr lang="es-ES" sz="1400" dirty="0"/>
               <a:t> revisada)</a:t>
             </a:r>
           </a:p>
           <a:p>
-            <a:endParaRPr lang="es-ES" dirty="0" smtClean="0"/>
+            <a:endParaRPr lang="es-ES" dirty="0"/>
           </a:p>
           <a:p>
             <a:endParaRPr lang="es-ES" dirty="0"/>
@@ -12923,7 +12675,7 @@
               <a:defRPr/>
             </a:pPr>
             <a:r>
-              <a:rPr kumimoji="0" lang="es-ES" sz="4400" b="1" i="0" u="none" strike="noStrike" kern="1200" cap="none" spc="0" normalizeH="0" baseline="0" noProof="0" dirty="0" smtClean="0">
+              <a:rPr kumimoji="0" lang="es-ES" sz="4400" b="1" i="0" u="none" strike="noStrike" kern="1200" cap="none" spc="0" normalizeH="0" baseline="0" noProof="0" dirty="0">
                 <a:ln>
                   <a:noFill/>
                 </a:ln>
@@ -13307,7 +13059,7 @@
           <a:lstStyle/>
           <a:p>
             <a:r>
-              <a:rPr lang="es-ES" b="1" dirty="0" smtClean="0">
+              <a:rPr lang="es-ES" b="1" dirty="0">
                 <a:solidFill>
                   <a:schemeClr val="tx2">
                     <a:lumMod val="40000"/>
@@ -13352,20 +13104,20 @@
           <a:p>
             <a:pPr algn="just"/>
             <a:r>
-              <a:rPr lang="es-ES" sz="1400" dirty="0" smtClean="0"/>
+              <a:rPr lang="es-ES" sz="1400" dirty="0"/>
               <a:t>Extractos del libro LEVIN, Richard; RUBIN, David - Estadística para Administración y Economía (7ma </a:t>
             </a:r>
             <a:r>
-              <a:rPr lang="es-ES" sz="1400" dirty="0" err="1" smtClean="0"/>
+              <a:rPr lang="es-ES" sz="1400" dirty="0" err="1"/>
               <a:t>ed</a:t>
             </a:r>
             <a:r>
-              <a:rPr lang="es-ES" sz="1400" dirty="0" smtClean="0"/>
+              <a:rPr lang="es-ES" sz="1400" dirty="0"/>
               <a:t> revisada)</a:t>
             </a:r>
           </a:p>
           <a:p>
-            <a:endParaRPr lang="es-ES" dirty="0" smtClean="0"/>
+            <a:endParaRPr lang="es-ES" dirty="0"/>
           </a:p>
           <a:p>
             <a:endParaRPr lang="es-ES" dirty="0"/>
@@ -13413,7 +13165,7 @@
               <a:defRPr/>
             </a:pPr>
             <a:r>
-              <a:rPr kumimoji="0" lang="es-ES" sz="4400" b="1" i="0" u="none" strike="noStrike" kern="1200" cap="none" spc="0" normalizeH="0" baseline="0" noProof="0" dirty="0" smtClean="0">
+              <a:rPr kumimoji="0" lang="es-ES" sz="4400" b="1" i="0" u="none" strike="noStrike" kern="1200" cap="none" spc="0" normalizeH="0" baseline="0" noProof="0" dirty="0">
                 <a:ln>
                   <a:noFill/>
                 </a:ln>
@@ -13736,7 +13488,7 @@
           <a:lstStyle/>
           <a:p>
             <a:r>
-              <a:rPr lang="es-ES" b="1" dirty="0" smtClean="0">
+              <a:rPr lang="es-ES" b="1" dirty="0">
                 <a:solidFill>
                   <a:schemeClr val="tx2">
                     <a:lumMod val="40000"/>
@@ -13781,20 +13533,20 @@
           <a:p>
             <a:pPr algn="just"/>
             <a:r>
-              <a:rPr lang="es-ES" sz="1400" dirty="0" smtClean="0"/>
+              <a:rPr lang="es-ES" sz="1400" dirty="0"/>
               <a:t>Extractos del libro LEVIN, Richard; RUBIN, David - Estadística para Administración y Economía (7ma </a:t>
             </a:r>
             <a:r>
-              <a:rPr lang="es-ES" sz="1400" dirty="0" err="1" smtClean="0"/>
+              <a:rPr lang="es-ES" sz="1400" dirty="0" err="1"/>
               <a:t>ed</a:t>
             </a:r>
             <a:r>
-              <a:rPr lang="es-ES" sz="1400" dirty="0" smtClean="0"/>
+              <a:rPr lang="es-ES" sz="1400" dirty="0"/>
               <a:t> revisada)</a:t>
             </a:r>
           </a:p>
           <a:p>
-            <a:endParaRPr lang="es-ES" dirty="0" smtClean="0"/>
+            <a:endParaRPr lang="es-ES" dirty="0"/>
           </a:p>
           <a:p>
             <a:endParaRPr lang="es-ES" dirty="0"/>
@@ -13842,7 +13594,7 @@
               <a:defRPr/>
             </a:pPr>
             <a:r>
-              <a:rPr kumimoji="0" lang="es-ES" sz="4400" b="1" i="0" u="none" strike="noStrike" kern="1200" cap="none" spc="0" normalizeH="0" baseline="0" noProof="0" dirty="0" smtClean="0">
+              <a:rPr kumimoji="0" lang="es-ES" sz="4400" b="1" i="0" u="none" strike="noStrike" kern="1200" cap="none" spc="0" normalizeH="0" baseline="0" noProof="0" dirty="0">
                 <a:ln>
                   <a:noFill/>
                 </a:ln>
@@ -14159,7 +13911,7 @@
           <a:lstStyle/>
           <a:p>
             <a:r>
-              <a:rPr lang="es-ES" b="1" dirty="0" smtClean="0">
+              <a:rPr lang="es-ES" b="1" dirty="0">
                 <a:solidFill>
                   <a:schemeClr val="tx2">
                     <a:lumMod val="40000"/>
@@ -14214,22 +13966,21 @@
           <a:lstStyle/>
           <a:p>
             <a:r>
-              <a:rPr lang="es-ES" sz="2000" dirty="0" smtClean="0"/>
+              <a:rPr lang="es-ES" sz="2000" dirty="0"/>
               <a:t>Es el valor que ocupa el lugar central de la muestra cuando ordenamos los datos. </a:t>
             </a:r>
           </a:p>
           <a:p>
             <a:r>
-              <a:rPr lang="es-ES" sz="2000" dirty="0" smtClean="0"/>
+              <a:rPr lang="es-ES" sz="2000" dirty="0"/>
               <a:t>En datos no agrupados, se la encuentra por simple observación.</a:t>
             </a:r>
           </a:p>
           <a:p>
             <a:r>
-              <a:rPr lang="es-ES" sz="2000" dirty="0" smtClean="0"/>
+              <a:rPr lang="es-ES" sz="2000" dirty="0"/>
               <a:t>Si hay un número par de elementos, es el promedio entre los dos que se encuentran en el centro.</a:t>
             </a:r>
-            <a:endParaRPr lang="es-ES" sz="2000" dirty="0"/>
           </a:p>
         </p:txBody>
       </p:sp>
@@ -14300,13 +14051,6 @@
   <p:transition>
     <p:fade/>
   </p:transition>
-  <p:timing>
-    <p:tnLst>
-      <p:par>
-        <p:cTn id="1" dur="indefinite" restart="never" nodeType="tmRoot"/>
-      </p:par>
-    </p:tnLst>
-  </p:timing>
 </p:sld>
 </file>
 
@@ -14365,7 +14109,7 @@
           <a:lstStyle/>
           <a:p>
             <a:r>
-              <a:rPr lang="es-ES" b="1" dirty="0" smtClean="0">
+              <a:rPr lang="es-ES" b="1" dirty="0">
                 <a:solidFill>
                   <a:schemeClr val="tx2">
                     <a:lumMod val="40000"/>
@@ -14410,20 +14154,20 @@
           <a:p>
             <a:pPr algn="just"/>
             <a:r>
-              <a:rPr lang="es-ES" sz="1400" dirty="0" smtClean="0"/>
+              <a:rPr lang="es-ES" sz="1400" dirty="0"/>
               <a:t>Extractos del libro LEVIN, Richard; RUBIN, David - Estadística para Administración y Economía (7ma </a:t>
             </a:r>
             <a:r>
-              <a:rPr lang="es-ES" sz="1400" dirty="0" err="1" smtClean="0"/>
+              <a:rPr lang="es-ES" sz="1400" dirty="0" err="1"/>
               <a:t>ed</a:t>
             </a:r>
             <a:r>
-              <a:rPr lang="es-ES" sz="1400" dirty="0" smtClean="0"/>
+              <a:rPr lang="es-ES" sz="1400" dirty="0"/>
               <a:t> revisada)</a:t>
             </a:r>
           </a:p>
           <a:p>
-            <a:endParaRPr lang="es-ES" dirty="0" smtClean="0"/>
+            <a:endParaRPr lang="es-ES" dirty="0"/>
           </a:p>
           <a:p>
             <a:endParaRPr lang="es-ES" dirty="0"/>
@@ -14471,7 +14215,7 @@
               <a:defRPr/>
             </a:pPr>
             <a:r>
-              <a:rPr kumimoji="0" lang="es-ES" sz="4400" b="1" i="0" u="none" strike="noStrike" kern="1200" cap="none" spc="0" normalizeH="0" baseline="0" noProof="0" dirty="0" smtClean="0">
+              <a:rPr kumimoji="0" lang="es-ES" sz="4400" b="1" i="0" u="none" strike="noStrike" kern="1200" cap="none" spc="0" normalizeH="0" baseline="0" noProof="0" dirty="0">
                 <a:ln>
                   <a:noFill/>
                 </a:ln>
@@ -14962,7 +14706,7 @@
           <a:lstStyle/>
           <a:p>
             <a:r>
-              <a:rPr lang="es-ES" b="1" dirty="0" smtClean="0">
+              <a:rPr lang="es-ES" b="1" dirty="0">
                 <a:solidFill>
                   <a:schemeClr val="tx2">
                     <a:lumMod val="40000"/>
@@ -15007,20 +14751,20 @@
           <a:p>
             <a:pPr algn="just"/>
             <a:r>
-              <a:rPr lang="es-ES" sz="1400" dirty="0" smtClean="0"/>
+              <a:rPr lang="es-ES" sz="1400" dirty="0"/>
               <a:t>Extractos del libro LEVIN, Richard; RUBIN, David - Estadística para Administración y Economía (7ma </a:t>
             </a:r>
             <a:r>
-              <a:rPr lang="es-ES" sz="1400" dirty="0" err="1" smtClean="0"/>
+              <a:rPr lang="es-ES" sz="1400" dirty="0" err="1"/>
               <a:t>ed</a:t>
             </a:r>
             <a:r>
-              <a:rPr lang="es-ES" sz="1400" dirty="0" smtClean="0"/>
+              <a:rPr lang="es-ES" sz="1400" dirty="0"/>
               <a:t> revisada)</a:t>
             </a:r>
           </a:p>
           <a:p>
-            <a:endParaRPr lang="es-ES" dirty="0" smtClean="0"/>
+            <a:endParaRPr lang="es-ES" dirty="0"/>
           </a:p>
           <a:p>
             <a:endParaRPr lang="es-ES" dirty="0"/>
@@ -15068,7 +14812,7 @@
               <a:defRPr/>
             </a:pPr>
             <a:r>
-              <a:rPr kumimoji="0" lang="es-ES" sz="4400" b="1" i="0" u="none" strike="noStrike" kern="1200" cap="none" spc="0" normalizeH="0" baseline="0" noProof="0" dirty="0" smtClean="0">
+              <a:rPr kumimoji="0" lang="es-ES" sz="4400" b="1" i="0" u="none" strike="noStrike" kern="1200" cap="none" spc="0" normalizeH="0" baseline="0" noProof="0" dirty="0">
                 <a:ln>
                   <a:noFill/>
                 </a:ln>
@@ -15409,10 +15153,9 @@
           <a:p>
             <a:pPr algn="ctr"/>
             <a:r>
-              <a:rPr lang="es-ES" dirty="0" smtClean="0"/>
+              <a:rPr lang="es-ES" dirty="0"/>
               <a:t>(35+43)/2=39</a:t>
             </a:r>
-            <a:endParaRPr lang="es-ES" dirty="0"/>
           </a:p>
         </p:txBody>
       </p:sp>
@@ -15717,7 +15460,7 @@
           <a:lstStyle/>
           <a:p>
             <a:r>
-              <a:rPr lang="es-ES" b="1" dirty="0" smtClean="0">
+              <a:rPr lang="es-ES" b="1" dirty="0">
                 <a:solidFill>
                   <a:schemeClr val="tx2">
                     <a:lumMod val="40000"/>
@@ -15772,16 +15515,15 @@
           <a:lstStyle/>
           <a:p>
             <a:r>
-              <a:rPr lang="es-ES" sz="2000" dirty="0" smtClean="0"/>
+              <a:rPr lang="es-ES" sz="2000" dirty="0"/>
               <a:t>Esta fórmula nos permite calcular la mediana cuando los datos están agrupados por clases.</a:t>
             </a:r>
           </a:p>
           <a:p>
             <a:r>
-              <a:rPr lang="es-ES" sz="2000" dirty="0" smtClean="0"/>
+              <a:rPr lang="es-ES" sz="2000" dirty="0"/>
               <a:t>Lo importante es poder identificar la clase en la que se encuentra la mediana, como veremos en el siguiente ejercicio.</a:t>
             </a:r>
-            <a:endParaRPr lang="es-ES" sz="2000" dirty="0"/>
           </a:p>
         </p:txBody>
       </p:sp>
@@ -15852,13 +15594,6 @@
   <p:transition>
     <p:fade/>
   </p:transition>
-  <p:timing>
-    <p:tnLst>
-      <p:par>
-        <p:cTn id="1" dur="indefinite" restart="never" nodeType="tmRoot"/>
-      </p:par>
-    </p:tnLst>
-  </p:timing>
 </p:sld>
 </file>
 
@@ -15917,7 +15652,7 @@
           <a:lstStyle/>
           <a:p>
             <a:r>
-              <a:rPr lang="es-ES" sz="4000" b="1" dirty="0" smtClean="0">
+              <a:rPr lang="es-ES" sz="4000" b="1" dirty="0">
                 <a:solidFill>
                   <a:schemeClr val="tx2">
                     <a:lumMod val="40000"/>
@@ -15962,20 +15697,20 @@
           <a:p>
             <a:pPr algn="just"/>
             <a:r>
-              <a:rPr lang="es-ES" sz="1400" dirty="0" smtClean="0"/>
+              <a:rPr lang="es-ES" sz="1400" dirty="0"/>
               <a:t>Extractos del libro LEVIN, Richard; RUBIN, David - Estadística para Administración y Economía (7ma </a:t>
             </a:r>
             <a:r>
-              <a:rPr lang="es-ES" sz="1400" dirty="0" err="1" smtClean="0"/>
+              <a:rPr lang="es-ES" sz="1400" dirty="0" err="1"/>
               <a:t>ed</a:t>
             </a:r>
             <a:r>
-              <a:rPr lang="es-ES" sz="1400" dirty="0" smtClean="0"/>
+              <a:rPr lang="es-ES" sz="1400" dirty="0"/>
               <a:t> revisada)</a:t>
             </a:r>
           </a:p>
           <a:p>
-            <a:endParaRPr lang="es-ES" dirty="0" smtClean="0"/>
+            <a:endParaRPr lang="es-ES" dirty="0"/>
           </a:p>
           <a:p>
             <a:endParaRPr lang="es-ES" dirty="0"/>
@@ -16023,7 +15758,7 @@
               <a:defRPr/>
             </a:pPr>
             <a:r>
-              <a:rPr kumimoji="0" lang="es-ES" sz="4400" b="1" i="0" u="none" strike="noStrike" kern="1200" cap="none" spc="0" normalizeH="0" baseline="0" noProof="0" dirty="0" smtClean="0">
+              <a:rPr kumimoji="0" lang="es-ES" sz="4400" b="1" i="0" u="none" strike="noStrike" kern="1200" cap="none" spc="0" normalizeH="0" baseline="0" noProof="0" dirty="0">
                 <a:ln>
                   <a:noFill/>
                 </a:ln>
@@ -16209,24 +15944,24 @@
           <a:p>
             <a:pPr algn="just"/>
             <a:r>
-              <a:rPr lang="es-ES" sz="2800" dirty="0" smtClean="0"/>
+              <a:rPr lang="es-ES" sz="2800" dirty="0"/>
               <a:t>En primer lugar identificaremos la clase que contiene a la mediana, para poder utilizar la fórmula. Son 600 clientes, con lo cual la mitad está en 300.5, que se obtiene haciendo (300+1)/2. Si hacemos las frecuencias acumuladas, ese valor cae en la tercera clase, tal como está indicado en la figura. Esto quiere decir que la mediana tiene un valor entre $100.00 y $149.99</a:t>
             </a:r>
           </a:p>
           <a:p>
             <a:pPr algn="just"/>
             <a:r>
-              <a:rPr lang="es-ES" sz="2800" dirty="0" smtClean="0"/>
+              <a:rPr lang="es-ES" sz="2800" dirty="0"/>
               <a:t>Para obtener el valor exacto de la mediana, tendríamos que interpolar la posición de la misma, y eso se vuelve tedioso, con lo cual vamos a utilizar la fórmula práctica.</a:t>
             </a:r>
           </a:p>
           <a:p>
             <a:pPr algn="just"/>
-            <a:endParaRPr lang="es-ES" sz="2800" dirty="0" smtClean="0"/>
+            <a:endParaRPr lang="es-ES" sz="2800" dirty="0"/>
           </a:p>
           <a:p>
             <a:pPr algn="just"/>
-            <a:endParaRPr lang="es-ES" sz="2800" dirty="0" smtClean="0"/>
+            <a:endParaRPr lang="es-ES" sz="2800" dirty="0"/>
           </a:p>
         </p:txBody>
       </p:sp>
@@ -16412,7 +16147,7 @@
           <a:lstStyle/>
           <a:p>
             <a:r>
-              <a:rPr lang="es-ES" b="1" dirty="0" smtClean="0">
+              <a:rPr lang="es-ES" b="1" dirty="0">
                 <a:solidFill>
                   <a:schemeClr val="tx2">
                     <a:lumMod val="40000"/>
@@ -16457,18 +16192,18 @@
           <a:p>
             <a:pPr algn="just"/>
             <a:r>
-              <a:rPr lang="es-ES" sz="2800" dirty="0" smtClean="0"/>
+              <a:rPr lang="es-ES" sz="2800" dirty="0"/>
               <a:t>Ya aprendimos a recopilar los datos. Ya los ordenamos y organizamos. Ahora llega el momento de comenzar a sacar conclusiones. </a:t>
             </a:r>
           </a:p>
           <a:p>
             <a:pPr algn="just"/>
             <a:r>
-              <a:rPr lang="es-ES" sz="2800" dirty="0" smtClean="0"/>
+              <a:rPr lang="es-ES" sz="2800" dirty="0"/>
               <a:t>Para ello, utilizaremos </a:t>
             </a:r>
             <a:r>
-              <a:rPr lang="es-ES" sz="2800" b="1" dirty="0" smtClean="0">
+              <a:rPr lang="es-ES" sz="2800" b="1" dirty="0">
                 <a:solidFill>
                   <a:srgbClr val="FF0000"/>
                 </a:solidFill>
@@ -16476,14 +16211,14 @@
               <a:t>medidas descriptivas</a:t>
             </a:r>
             <a:r>
-              <a:rPr lang="es-ES" sz="2800" dirty="0" smtClean="0"/>
+              <a:rPr lang="es-ES" sz="2800" dirty="0"/>
               <a:t>.</a:t>
             </a:r>
           </a:p>
           <a:p>
             <a:pPr algn="just"/>
             <a:r>
-              <a:rPr lang="es-ES" sz="2800" dirty="0" smtClean="0"/>
+              <a:rPr lang="es-ES" sz="2800" dirty="0"/>
               <a:t>Las mismas tienen que ver con cuatro aspectos:</a:t>
             </a:r>
             <a:endParaRPr lang="es-ES" dirty="0"/>
@@ -16525,10 +16260,9 @@
           <a:p>
             <a:pPr algn="ctr"/>
             <a:r>
-              <a:rPr lang="es-ES" sz="2400" dirty="0" smtClean="0"/>
+              <a:rPr lang="es-ES" sz="2400" dirty="0"/>
               <a:t>Centralización</a:t>
             </a:r>
-            <a:endParaRPr lang="es-ES" sz="2400" dirty="0"/>
           </a:p>
         </p:txBody>
       </p:sp>
@@ -16567,10 +16301,9 @@
           <a:p>
             <a:pPr algn="ctr"/>
             <a:r>
-              <a:rPr lang="es-ES" sz="2400" dirty="0" smtClean="0"/>
+              <a:rPr lang="es-ES" sz="2400" dirty="0"/>
               <a:t>Dispersión</a:t>
             </a:r>
-            <a:endParaRPr lang="es-ES" sz="2400" dirty="0"/>
           </a:p>
         </p:txBody>
       </p:sp>
@@ -16609,10 +16342,9 @@
           <a:p>
             <a:pPr algn="ctr"/>
             <a:r>
-              <a:rPr lang="es-ES" sz="2400" dirty="0" smtClean="0"/>
+              <a:rPr lang="es-ES" sz="2400" dirty="0"/>
               <a:t>Posición</a:t>
             </a:r>
-            <a:endParaRPr lang="es-ES" sz="2400" dirty="0"/>
           </a:p>
         </p:txBody>
       </p:sp>
@@ -16651,10 +16383,9 @@
           <a:p>
             <a:pPr algn="ctr"/>
             <a:r>
-              <a:rPr lang="es-ES" sz="2400" dirty="0" smtClean="0"/>
+              <a:rPr lang="es-ES" sz="2400" dirty="0"/>
               <a:t>Forma</a:t>
             </a:r>
-            <a:endParaRPr lang="es-ES" sz="2400" dirty="0"/>
           </a:p>
         </p:txBody>
       </p:sp>
@@ -16679,6 +16410,78 @@
               <a:t>3</a:t>
             </a:fld>
             <a:endParaRPr lang="es-ES"/>
+          </a:p>
+        </p:txBody>
+      </p:sp>
+      <p:sp>
+        <p:nvSpPr>
+          <p:cNvPr id="10" name="CuadroTexto 9">
+            <a:extLst>
+              <a:ext uri="{FF2B5EF4-FFF2-40B4-BE49-F238E27FC236}">
+                <a16:creationId xmlns:a16="http://schemas.microsoft.com/office/drawing/2014/main" id="{E10BD826-0D6B-9915-AF61-898E28AD905F}"/>
+              </a:ext>
+            </a:extLst>
+          </p:cNvPr>
+          <p:cNvSpPr txBox="1"/>
+          <p:nvPr/>
+        </p:nvSpPr>
+        <p:spPr>
+          <a:xfrm>
+            <a:off x="6084168" y="5944634"/>
+            <a:ext cx="2043893" cy="369332"/>
+          </a:xfrm>
+          <a:prstGeom prst="rect">
+            <a:avLst/>
+          </a:prstGeom>
+          <a:noFill/>
+        </p:spPr>
+        <p:txBody>
+          <a:bodyPr wrap="none" rtlCol="0">
+            <a:spAutoFit/>
+          </a:bodyPr>
+          <a:lstStyle/>
+          <a:p>
+            <a:r>
+              <a:rPr lang="es-AR" dirty="0"/>
+              <a:t>Asimetría y Curtosis</a:t>
+            </a:r>
+            <a:endParaRPr lang="ax-AR" dirty="0"/>
+          </a:p>
+        </p:txBody>
+      </p:sp>
+      <p:sp>
+        <p:nvSpPr>
+          <p:cNvPr id="11" name="CuadroTexto 10">
+            <a:extLst>
+              <a:ext uri="{FF2B5EF4-FFF2-40B4-BE49-F238E27FC236}">
+                <a16:creationId xmlns:a16="http://schemas.microsoft.com/office/drawing/2014/main" id="{74E6E619-5663-5E0D-78F5-950BF9DF83CD}"/>
+              </a:ext>
+            </a:extLst>
+          </p:cNvPr>
+          <p:cNvSpPr txBox="1"/>
+          <p:nvPr/>
+        </p:nvSpPr>
+        <p:spPr>
+          <a:xfrm>
+            <a:off x="6084168" y="5152546"/>
+            <a:ext cx="1008609" cy="369332"/>
+          </a:xfrm>
+          <a:prstGeom prst="rect">
+            <a:avLst/>
+          </a:prstGeom>
+          <a:noFill/>
+        </p:spPr>
+        <p:txBody>
+          <a:bodyPr wrap="none" rtlCol="0">
+            <a:spAutoFit/>
+          </a:bodyPr>
+          <a:lstStyle/>
+          <a:p>
+            <a:r>
+              <a:rPr lang="es-AR" dirty="0"/>
+              <a:t>Cuartiles</a:t>
+            </a:r>
+            <a:endParaRPr lang="ax-AR" dirty="0"/>
           </a:p>
         </p:txBody>
       </p:sp>
@@ -16969,7 +16772,7 @@
           <a:lstStyle/>
           <a:p>
             <a:r>
-              <a:rPr lang="es-ES" sz="4000" b="1" dirty="0" smtClean="0">
+              <a:rPr lang="es-ES" sz="4000" b="1" dirty="0">
                 <a:solidFill>
                   <a:schemeClr val="tx2">
                     <a:lumMod val="40000"/>
@@ -17014,20 +16817,20 @@
           <a:p>
             <a:pPr algn="just"/>
             <a:r>
-              <a:rPr lang="es-ES" sz="1400" dirty="0" smtClean="0"/>
+              <a:rPr lang="es-ES" sz="1400" dirty="0"/>
               <a:t>Extractos del libro LEVIN, Richard; RUBIN, David - Estadística para Administración y Economía (7ma </a:t>
             </a:r>
             <a:r>
-              <a:rPr lang="es-ES" sz="1400" dirty="0" err="1" smtClean="0"/>
+              <a:rPr lang="es-ES" sz="1400" dirty="0" err="1"/>
               <a:t>ed</a:t>
             </a:r>
             <a:r>
-              <a:rPr lang="es-ES" sz="1400" dirty="0" smtClean="0"/>
+              <a:rPr lang="es-ES" sz="1400" dirty="0"/>
               <a:t> revisada)</a:t>
             </a:r>
           </a:p>
           <a:p>
-            <a:endParaRPr lang="es-ES" dirty="0" smtClean="0"/>
+            <a:endParaRPr lang="es-ES" dirty="0"/>
           </a:p>
           <a:p>
             <a:endParaRPr lang="es-ES" dirty="0"/>
@@ -17075,7 +16878,7 @@
               <a:defRPr/>
             </a:pPr>
             <a:r>
-              <a:rPr kumimoji="0" lang="es-ES" sz="4400" b="1" i="0" u="none" strike="noStrike" kern="1200" cap="none" spc="0" normalizeH="0" baseline="0" noProof="0" dirty="0" smtClean="0">
+              <a:rPr kumimoji="0" lang="es-ES" sz="4400" b="1" i="0" u="none" strike="noStrike" kern="1200" cap="none" spc="0" normalizeH="0" baseline="0" noProof="0" dirty="0">
                 <a:ln>
                   <a:noFill/>
                 </a:ln>
@@ -17211,59 +17014,58 @@
           <a:p>
             <a:pPr algn="ctr"/>
             <a:r>
-              <a:rPr lang="es-ES" dirty="0" smtClean="0"/>
+              <a:rPr lang="es-ES" dirty="0"/>
               <a:t>EXPLICACIÓN</a:t>
             </a:r>
           </a:p>
           <a:p>
-            <a:endParaRPr lang="es-ES" dirty="0" smtClean="0"/>
-          </a:p>
-          <a:p>
-            <a:r>
-              <a:rPr lang="es-ES" dirty="0" smtClean="0"/>
+            <a:endParaRPr lang="es-ES" dirty="0"/>
+          </a:p>
+          <a:p>
+            <a:r>
+              <a:rPr lang="es-ES" dirty="0"/>
               <a:t>n: 600 (cantidad de clientes)</a:t>
             </a:r>
           </a:p>
           <a:p>
             <a:r>
-              <a:rPr lang="es-ES" dirty="0" smtClean="0"/>
+              <a:rPr lang="es-ES" dirty="0"/>
               <a:t>F: 201 (frecuencia acumulada hasta la clase anterior a la que contiene la mediana)</a:t>
             </a:r>
           </a:p>
           <a:p>
             <a:r>
-              <a:rPr lang="es-ES" dirty="0" err="1" smtClean="0"/>
+              <a:rPr lang="es-ES" dirty="0" err="1"/>
               <a:t>f</a:t>
             </a:r>
             <a:r>
-              <a:rPr lang="es-ES" baseline="-25000" dirty="0" err="1" smtClean="0"/>
+              <a:rPr lang="es-ES" baseline="-25000" dirty="0" err="1"/>
               <a:t>m</a:t>
             </a:r>
             <a:r>
-              <a:rPr lang="es-ES" dirty="0" smtClean="0"/>
+              <a:rPr lang="es-ES" dirty="0"/>
               <a:t>: 187 (frecuencia de la clase de la mediana)</a:t>
             </a:r>
           </a:p>
           <a:p>
             <a:r>
-              <a:rPr lang="es-ES" dirty="0" smtClean="0"/>
+              <a:rPr lang="es-ES" dirty="0"/>
               <a:t>w:  50 (ancho de clase)</a:t>
             </a:r>
           </a:p>
           <a:p>
             <a:r>
-              <a:rPr lang="es-ES" dirty="0" smtClean="0"/>
+              <a:rPr lang="es-ES" dirty="0"/>
               <a:t>L</a:t>
             </a:r>
             <a:r>
-              <a:rPr lang="es-ES" baseline="-25000" dirty="0" smtClean="0"/>
+              <a:rPr lang="es-ES" baseline="-25000" dirty="0"/>
               <a:t>m</a:t>
             </a:r>
             <a:r>
-              <a:rPr lang="es-ES" dirty="0" smtClean="0"/>
+              <a:rPr lang="es-ES" dirty="0"/>
               <a:t>: 100 (límite inferior de la clase de la mediana)</a:t>
             </a:r>
-            <a:endParaRPr lang="es-ES" dirty="0"/>
           </a:p>
         </p:txBody>
       </p:sp>
@@ -17275,13 +17077,6 @@
   <p:transition>
     <p:fade/>
   </p:transition>
-  <p:timing>
-    <p:tnLst>
-      <p:par>
-        <p:cTn id="1" dur="indefinite" restart="never" nodeType="tmRoot"/>
-      </p:par>
-    </p:tnLst>
-  </p:timing>
 </p:sld>
 </file>
 
@@ -17340,7 +17135,7 @@
           <a:lstStyle/>
           <a:p>
             <a:r>
-              <a:rPr lang="es-ES" b="1" dirty="0" smtClean="0">
+              <a:rPr lang="es-ES" b="1" dirty="0">
                 <a:solidFill>
                   <a:schemeClr val="tx2">
                     <a:lumMod val="40000"/>
@@ -17385,20 +17180,20 @@
           <a:p>
             <a:pPr algn="just"/>
             <a:r>
-              <a:rPr lang="es-ES" sz="1400" dirty="0" smtClean="0"/>
+              <a:rPr lang="es-ES" sz="1400" dirty="0"/>
               <a:t>Extractos del libro LEVIN, Richard; RUBIN, David - Estadística para Administración y Economía (7ma </a:t>
             </a:r>
             <a:r>
-              <a:rPr lang="es-ES" sz="1400" dirty="0" err="1" smtClean="0"/>
+              <a:rPr lang="es-ES" sz="1400" dirty="0" err="1"/>
               <a:t>ed</a:t>
             </a:r>
             <a:r>
-              <a:rPr lang="es-ES" sz="1400" dirty="0" smtClean="0"/>
+              <a:rPr lang="es-ES" sz="1400" dirty="0"/>
               <a:t> revisada)</a:t>
             </a:r>
           </a:p>
           <a:p>
-            <a:endParaRPr lang="es-ES" dirty="0" smtClean="0"/>
+            <a:endParaRPr lang="es-ES" dirty="0"/>
           </a:p>
           <a:p>
             <a:endParaRPr lang="es-ES" dirty="0"/>
@@ -17446,7 +17241,7 @@
               <a:defRPr/>
             </a:pPr>
             <a:r>
-              <a:rPr kumimoji="0" lang="es-ES" sz="4400" b="1" i="0" u="none" strike="noStrike" kern="1200" cap="none" spc="0" normalizeH="0" baseline="0" noProof="0" dirty="0" smtClean="0">
+              <a:rPr kumimoji="0" lang="es-ES" sz="4400" b="1" i="0" u="none" strike="noStrike" kern="1200" cap="none" spc="0" normalizeH="0" baseline="0" noProof="0" dirty="0">
                 <a:ln>
                   <a:noFill/>
                 </a:ln>
@@ -17769,7 +17564,7 @@
           <a:lstStyle/>
           <a:p>
             <a:r>
-              <a:rPr lang="es-ES" b="1" dirty="0" smtClean="0">
+              <a:rPr lang="es-ES" b="1" dirty="0">
                 <a:solidFill>
                   <a:schemeClr val="tx2">
                     <a:lumMod val="40000"/>
@@ -17814,20 +17609,20 @@
           <a:p>
             <a:pPr algn="just"/>
             <a:r>
-              <a:rPr lang="es-ES" sz="1400" dirty="0" smtClean="0"/>
+              <a:rPr lang="es-ES" sz="1400" dirty="0"/>
               <a:t>Extractos del libro LEVIN, Richard; RUBIN, David - Estadística para Administración y Economía (7ma </a:t>
             </a:r>
             <a:r>
-              <a:rPr lang="es-ES" sz="1400" dirty="0" err="1" smtClean="0"/>
+              <a:rPr lang="es-ES" sz="1400" dirty="0" err="1"/>
               <a:t>ed</a:t>
             </a:r>
             <a:r>
-              <a:rPr lang="es-ES" sz="1400" dirty="0" smtClean="0"/>
+              <a:rPr lang="es-ES" sz="1400" dirty="0"/>
               <a:t> revisada)</a:t>
             </a:r>
           </a:p>
           <a:p>
-            <a:endParaRPr lang="es-ES" dirty="0" smtClean="0"/>
+            <a:endParaRPr lang="es-ES" dirty="0"/>
           </a:p>
           <a:p>
             <a:endParaRPr lang="es-ES" dirty="0"/>
@@ -17901,13 +17696,6 @@
   <p:transition>
     <p:fade/>
   </p:transition>
-  <p:timing>
-    <p:tnLst>
-      <p:par>
-        <p:cTn id="1" dur="indefinite" restart="never" nodeType="tmRoot"/>
-      </p:par>
-    </p:tnLst>
-  </p:timing>
 </p:sld>
 </file>
 
@@ -17966,7 +17754,7 @@
           <a:lstStyle/>
           <a:p>
             <a:r>
-              <a:rPr lang="es-ES" b="1" dirty="0" smtClean="0">
+              <a:rPr lang="es-ES" b="1" dirty="0">
                 <a:solidFill>
                   <a:schemeClr val="tx2">
                     <a:lumMod val="40000"/>
@@ -18011,20 +17799,20 @@
           <a:p>
             <a:pPr algn="just"/>
             <a:r>
-              <a:rPr lang="es-ES" sz="1400" dirty="0" smtClean="0"/>
+              <a:rPr lang="es-ES" sz="1400" dirty="0"/>
               <a:t>Extractos del libro LEVIN, Richard; RUBIN, David - Estadística para Administración y Economía (7ma </a:t>
             </a:r>
             <a:r>
-              <a:rPr lang="es-ES" sz="1400" dirty="0" err="1" smtClean="0"/>
+              <a:rPr lang="es-ES" sz="1400" dirty="0" err="1"/>
               <a:t>ed</a:t>
             </a:r>
             <a:r>
-              <a:rPr lang="es-ES" sz="1400" dirty="0" smtClean="0"/>
+              <a:rPr lang="es-ES" sz="1400" dirty="0"/>
               <a:t> revisada)</a:t>
             </a:r>
           </a:p>
           <a:p>
-            <a:endParaRPr lang="es-ES" dirty="0" smtClean="0"/>
+            <a:endParaRPr lang="es-ES" dirty="0"/>
           </a:p>
           <a:p>
             <a:endParaRPr lang="es-ES" dirty="0"/>
@@ -18072,7 +17860,7 @@
               <a:defRPr/>
             </a:pPr>
             <a:r>
-              <a:rPr kumimoji="0" lang="es-ES" sz="4400" b="1" i="0" u="none" strike="noStrike" kern="1200" cap="none" spc="0" normalizeH="0" baseline="0" noProof="0" dirty="0" smtClean="0">
+              <a:rPr kumimoji="0" lang="es-ES" sz="4400" b="1" i="0" u="none" strike="noStrike" kern="1200" cap="none" spc="0" normalizeH="0" baseline="0" noProof="0" dirty="0">
                 <a:ln>
                   <a:noFill/>
                 </a:ln>
@@ -18208,7 +17996,7 @@
           <a:p>
             <a:pPr algn="ctr"/>
             <a:r>
-              <a:rPr lang="es-ES" sz="2000" dirty="0" smtClean="0"/>
+              <a:rPr lang="es-ES" sz="2000" dirty="0"/>
               <a:t>Rehacer este ejercicio utilizando la fórmula dada.</a:t>
             </a:r>
             <a:endParaRPr lang="es-ES" sz="2000" b="1" dirty="0"/>
@@ -18223,13 +18011,6 @@
   <p:transition>
     <p:fade/>
   </p:transition>
-  <p:timing>
-    <p:tnLst>
-      <p:par>
-        <p:cTn id="1" dur="indefinite" restart="never" nodeType="tmRoot"/>
-      </p:par>
-    </p:tnLst>
-  </p:timing>
 </p:sld>
 </file>
 
@@ -18282,7 +18063,7 @@
           <a:lstStyle/>
           <a:p>
             <a:r>
-              <a:rPr lang="es-ES" b="1" dirty="0" smtClean="0">
+              <a:rPr lang="es-ES" b="1" dirty="0">
                 <a:solidFill>
                   <a:schemeClr val="tx2">
                     <a:lumMod val="40000"/>
@@ -18361,43 +18142,42 @@
           <a:lstStyle/>
           <a:p>
             <a:r>
-              <a:rPr lang="es-ES" sz="2000" dirty="0" smtClean="0"/>
+              <a:rPr lang="es-ES" sz="2000" dirty="0"/>
               <a:t>Es el valor que más veces se repite. </a:t>
             </a:r>
           </a:p>
           <a:p>
             <a:r>
-              <a:rPr lang="es-ES" sz="2000" dirty="0" smtClean="0"/>
+              <a:rPr lang="es-ES" sz="2000" dirty="0"/>
               <a:t>Al igual que la mediana, se la puede hallar por simple observación.</a:t>
             </a:r>
           </a:p>
           <a:p>
             <a:r>
-              <a:rPr lang="es-ES" sz="2000" dirty="0" smtClean="0"/>
+              <a:rPr lang="es-ES" sz="2000" dirty="0"/>
               <a:t>Si hay dos valores con mayor frecuencia se dice que la distribución es </a:t>
             </a:r>
             <a:r>
-              <a:rPr lang="es-ES" sz="2000" dirty="0" err="1" smtClean="0"/>
+              <a:rPr lang="es-ES" sz="2000" dirty="0" err="1"/>
               <a:t>bimodal</a:t>
             </a:r>
             <a:r>
-              <a:rPr lang="es-ES" sz="2000" dirty="0" smtClean="0"/>
+              <a:rPr lang="es-ES" sz="2000" dirty="0"/>
               <a:t>.</a:t>
             </a:r>
           </a:p>
           <a:p>
             <a:pPr algn="just"/>
             <a:r>
-              <a:rPr lang="es-ES" sz="2000" dirty="0" smtClean="0"/>
+              <a:rPr lang="es-ES" sz="2000" dirty="0"/>
               <a:t>Si hay más de dos valores con mayor frecuencia, la distribución es multimodal. En este caso puede afirmarse que no hay moda, pues no tiene sentido dar más de dos valores para estimar un valor de centralización.</a:t>
             </a:r>
           </a:p>
           <a:p>
             <a:r>
-              <a:rPr lang="es-ES" sz="2000" dirty="0" smtClean="0"/>
+              <a:rPr lang="es-ES" sz="2000" dirty="0"/>
               <a:t>En distribuciones agrupadas en clases, encontrará que algunos autores determinan la moda como el valor medio de la clase con mayor frecuencia. A continuación veremos una sencilla fórmula mucho más precisa para hallar la moda en intervalos de clase.</a:t>
             </a:r>
-            <a:endParaRPr lang="es-ES" sz="2000" dirty="0"/>
           </a:p>
         </p:txBody>
       </p:sp>
@@ -18409,13 +18189,6 @@
   <p:transition>
     <p:fade/>
   </p:transition>
-  <p:timing>
-    <p:tnLst>
-      <p:par>
-        <p:cTn id="1" dur="indefinite" restart="never" nodeType="tmRoot"/>
-      </p:par>
-    </p:tnLst>
-  </p:timing>
 </p:sld>
 </file>
 
@@ -18468,7 +18241,7 @@
           <a:lstStyle/>
           <a:p>
             <a:r>
-              <a:rPr lang="es-ES" b="1" dirty="0" smtClean="0">
+              <a:rPr lang="es-ES" b="1" dirty="0">
                 <a:solidFill>
                   <a:schemeClr val="tx2">
                     <a:lumMod val="40000"/>
@@ -18555,13 +18328,6 @@
   <p:transition>
     <p:fade/>
   </p:transition>
-  <p:timing>
-    <p:tnLst>
-      <p:par>
-        <p:cTn id="1" dur="indefinite" restart="never" nodeType="tmRoot"/>
-      </p:par>
-    </p:tnLst>
-  </p:timing>
 </p:sld>
 </file>
 
@@ -18620,7 +18386,7 @@
           <a:lstStyle/>
           <a:p>
             <a:r>
-              <a:rPr lang="es-ES" b="1" dirty="0" smtClean="0">
+              <a:rPr lang="es-ES" b="1" dirty="0">
                 <a:solidFill>
                   <a:schemeClr val="tx2">
                     <a:lumMod val="40000"/>
@@ -18665,20 +18431,20 @@
           <a:p>
             <a:pPr algn="just"/>
             <a:r>
-              <a:rPr lang="es-ES" sz="1400" dirty="0" smtClean="0"/>
+              <a:rPr lang="es-ES" sz="1400" dirty="0"/>
               <a:t>Extractos del libro LEVIN, Richard; RUBIN, David - Estadística para Administración y Economía (7ma </a:t>
             </a:r>
             <a:r>
-              <a:rPr lang="es-ES" sz="1400" dirty="0" err="1" smtClean="0"/>
+              <a:rPr lang="es-ES" sz="1400" dirty="0" err="1"/>
               <a:t>ed</a:t>
             </a:r>
             <a:r>
-              <a:rPr lang="es-ES" sz="1400" dirty="0" smtClean="0"/>
+              <a:rPr lang="es-ES" sz="1400" dirty="0"/>
               <a:t> revisada)</a:t>
             </a:r>
           </a:p>
           <a:p>
-            <a:endParaRPr lang="es-ES" dirty="0" smtClean="0"/>
+            <a:endParaRPr lang="es-ES" dirty="0"/>
           </a:p>
           <a:p>
             <a:endParaRPr lang="es-ES" dirty="0"/>
@@ -18726,7 +18492,7 @@
               <a:defRPr/>
             </a:pPr>
             <a:r>
-              <a:rPr kumimoji="0" lang="es-ES" sz="4400" b="1" i="0" u="none" strike="noStrike" kern="1200" cap="none" spc="0" normalizeH="0" baseline="0" noProof="0" dirty="0" smtClean="0">
+              <a:rPr kumimoji="0" lang="es-ES" sz="4400" b="1" i="0" u="none" strike="noStrike" kern="1200" cap="none" spc="0" normalizeH="0" baseline="0" noProof="0" dirty="0">
                 <a:ln>
                   <a:noFill/>
                 </a:ln>
@@ -19202,7 +18968,7 @@
           <a:lstStyle/>
           <a:p>
             <a:r>
-              <a:rPr lang="es-ES" b="1" dirty="0" smtClean="0">
+              <a:rPr lang="es-ES" b="1" dirty="0">
                 <a:solidFill>
                   <a:schemeClr val="tx2">
                     <a:lumMod val="40000"/>
@@ -19220,7 +18986,7 @@
               <a:t>Ejercicio</a:t>
             </a:r>
             <a:r>
-              <a:rPr lang="es-ES" sz="4000" b="1" dirty="0" smtClean="0">
+              <a:rPr lang="es-ES" sz="4000" b="1" dirty="0">
                 <a:solidFill>
                   <a:schemeClr val="tx2">
                     <a:lumMod val="40000"/>
@@ -19238,7 +19004,7 @@
               <a:t> 4.18 (Distribución </a:t>
             </a:r>
             <a:r>
-              <a:rPr lang="es-ES" sz="4000" b="1" dirty="0" err="1" smtClean="0">
+              <a:rPr lang="es-ES" sz="4000" b="1" dirty="0" err="1">
                 <a:solidFill>
                   <a:schemeClr val="tx2">
                     <a:lumMod val="40000"/>
@@ -19256,7 +19022,7 @@
               <a:t>Bimodal</a:t>
             </a:r>
             <a:r>
-              <a:rPr lang="es-ES" sz="4000" b="1" dirty="0" smtClean="0">
+              <a:rPr lang="es-ES" sz="4000" b="1" dirty="0">
                 <a:solidFill>
                   <a:schemeClr val="tx2">
                     <a:lumMod val="40000"/>
@@ -19301,20 +19067,20 @@
           <a:p>
             <a:pPr algn="just"/>
             <a:r>
-              <a:rPr lang="es-ES" sz="1400" dirty="0" smtClean="0"/>
+              <a:rPr lang="es-ES" sz="1400" dirty="0"/>
               <a:t>Extractos del libro LEVIN, Richard; RUBIN, David - Estadística para Administración y Economía (7ma </a:t>
             </a:r>
             <a:r>
-              <a:rPr lang="es-ES" sz="1400" dirty="0" err="1" smtClean="0"/>
+              <a:rPr lang="es-ES" sz="1400" dirty="0" err="1"/>
               <a:t>ed</a:t>
             </a:r>
             <a:r>
-              <a:rPr lang="es-ES" sz="1400" dirty="0" smtClean="0"/>
+              <a:rPr lang="es-ES" sz="1400" dirty="0"/>
               <a:t> revisada)</a:t>
             </a:r>
           </a:p>
           <a:p>
-            <a:endParaRPr lang="es-ES" dirty="0" smtClean="0"/>
+            <a:endParaRPr lang="es-ES" dirty="0"/>
           </a:p>
           <a:p>
             <a:endParaRPr lang="es-ES" dirty="0"/>
@@ -19362,7 +19128,7 @@
               <a:defRPr/>
             </a:pPr>
             <a:r>
-              <a:rPr kumimoji="0" lang="es-ES" sz="4400" b="1" i="0" u="none" strike="noStrike" kern="1200" cap="none" spc="0" normalizeH="0" baseline="0" noProof="0" dirty="0" smtClean="0">
+              <a:rPr kumimoji="0" lang="es-ES" sz="4400" b="1" i="0" u="none" strike="noStrike" kern="1200" cap="none" spc="0" normalizeH="0" baseline="0" noProof="0" dirty="0">
                 <a:ln>
                   <a:noFill/>
                 </a:ln>
@@ -19899,7 +19665,7 @@
           <a:lstStyle/>
           <a:p>
             <a:r>
-              <a:rPr lang="es-ES" b="1" dirty="0" smtClean="0">
+              <a:rPr lang="es-ES" b="1" dirty="0">
                 <a:solidFill>
                   <a:schemeClr val="tx2">
                     <a:lumMod val="40000"/>
@@ -19944,20 +19710,20 @@
           <a:p>
             <a:pPr algn="just"/>
             <a:r>
-              <a:rPr lang="es-ES" sz="1400" dirty="0" smtClean="0"/>
+              <a:rPr lang="es-ES" sz="1400" dirty="0"/>
               <a:t>Extractos del libro LEVIN, Richard; RUBIN, David - Estadística para Administración y Economía (7ma </a:t>
             </a:r>
             <a:r>
-              <a:rPr lang="es-ES" sz="1400" dirty="0" err="1" smtClean="0"/>
+              <a:rPr lang="es-ES" sz="1400" dirty="0" err="1"/>
               <a:t>ed</a:t>
             </a:r>
             <a:r>
-              <a:rPr lang="es-ES" sz="1400" dirty="0" smtClean="0"/>
+              <a:rPr lang="es-ES" sz="1400" dirty="0"/>
               <a:t> revisada)</a:t>
             </a:r>
           </a:p>
           <a:p>
-            <a:endParaRPr lang="es-ES" dirty="0" smtClean="0"/>
+            <a:endParaRPr lang="es-ES" dirty="0"/>
           </a:p>
           <a:p>
             <a:endParaRPr lang="es-ES" dirty="0"/>
@@ -20005,7 +19771,7 @@
               <a:defRPr/>
             </a:pPr>
             <a:r>
-              <a:rPr kumimoji="0" lang="es-ES" sz="4400" b="1" i="0" u="none" strike="noStrike" kern="1200" cap="none" spc="0" normalizeH="0" baseline="0" noProof="0" dirty="0" smtClean="0">
+              <a:rPr kumimoji="0" lang="es-ES" sz="4400" b="1" i="0" u="none" strike="noStrike" kern="1200" cap="none" spc="0" normalizeH="0" baseline="0" noProof="0" dirty="0">
                 <a:ln>
                   <a:noFill/>
                 </a:ln>
@@ -20298,58 +20064,58 @@
           <a:p>
             <a:pPr algn="ctr"/>
             <a:r>
-              <a:rPr lang="es-ES" dirty="0" smtClean="0"/>
+              <a:rPr lang="es-ES" dirty="0"/>
               <a:t>EXPLICACIÓN</a:t>
             </a:r>
           </a:p>
           <a:p>
-            <a:endParaRPr lang="es-ES" dirty="0" smtClean="0"/>
-          </a:p>
-          <a:p>
-            <a:r>
-              <a:rPr lang="es-ES" dirty="0" err="1" smtClean="0"/>
+            <a:endParaRPr lang="es-ES" dirty="0"/>
+          </a:p>
+          <a:p>
+            <a:r>
+              <a:rPr lang="es-ES" dirty="0" err="1"/>
               <a:t>L</a:t>
             </a:r>
             <a:r>
-              <a:rPr lang="es-ES" baseline="-25000" dirty="0" err="1" smtClean="0"/>
+              <a:rPr lang="es-ES" baseline="-25000" dirty="0" err="1"/>
               <a:t>Mo</a:t>
             </a:r>
             <a:r>
-              <a:rPr lang="es-ES" dirty="0" smtClean="0"/>
+              <a:rPr lang="es-ES" dirty="0"/>
               <a:t>: 100 (límite inferior de la clase de la moda)</a:t>
             </a:r>
           </a:p>
           <a:p>
             <a:r>
-              <a:rPr lang="es-ES" dirty="0" smtClean="0"/>
+              <a:rPr lang="es-ES" dirty="0"/>
               <a:t>d</a:t>
             </a:r>
             <a:r>
-              <a:rPr lang="es-ES" baseline="-25000" dirty="0" smtClean="0"/>
+              <a:rPr lang="es-ES" baseline="-25000" dirty="0"/>
               <a:t>1</a:t>
             </a:r>
             <a:r>
-              <a:rPr lang="es-ES" dirty="0" smtClean="0"/>
+              <a:rPr lang="es-ES" dirty="0"/>
               <a:t>: 64 (se obtiene haciendo 187 – 123)</a:t>
             </a:r>
           </a:p>
           <a:p>
             <a:r>
-              <a:rPr lang="es-ES" dirty="0" smtClean="0"/>
+              <a:rPr lang="es-ES" dirty="0"/>
               <a:t>d</a:t>
             </a:r>
             <a:r>
-              <a:rPr lang="es-ES" baseline="-25000" dirty="0" smtClean="0"/>
+              <a:rPr lang="es-ES" baseline="-25000" dirty="0"/>
               <a:t>2</a:t>
             </a:r>
             <a:r>
-              <a:rPr lang="es-ES" dirty="0" smtClean="0"/>
+              <a:rPr lang="es-ES" dirty="0"/>
               <a:t>: 105 (se obtiene haciendo 187 – 82)</a:t>
             </a:r>
           </a:p>
           <a:p>
             <a:r>
-              <a:rPr lang="es-ES" dirty="0" smtClean="0"/>
+              <a:rPr lang="es-ES" dirty="0"/>
               <a:t>w:  50 (ancho de clase)</a:t>
             </a:r>
           </a:p>
@@ -20572,7 +20338,7 @@
           <a:lstStyle/>
           <a:p>
             <a:r>
-              <a:rPr lang="es-ES" sz="3600" b="1" dirty="0" smtClean="0">
+              <a:rPr lang="es-ES" sz="3600" b="1" dirty="0">
                 <a:solidFill>
                   <a:schemeClr val="tx2">
                     <a:lumMod val="40000"/>
@@ -20715,20 +20481,20 @@
           <a:lstStyle/>
           <a:p>
             <a:r>
-              <a:rPr lang="es-ES" dirty="0" smtClean="0"/>
+              <a:rPr lang="es-ES" dirty="0"/>
               <a:t>Si la distribución es simétrica y tiene una sola moda, entonces media, mediana y moda coinciden.</a:t>
             </a:r>
           </a:p>
           <a:p>
-            <a:endParaRPr lang="es-ES" dirty="0" smtClean="0"/>
-          </a:p>
-          <a:p>
-            <a:r>
-              <a:rPr lang="es-ES" dirty="0" smtClean="0"/>
+            <a:endParaRPr lang="es-ES" dirty="0"/>
+          </a:p>
+          <a:p>
+            <a:r>
+              <a:rPr lang="es-ES" dirty="0"/>
               <a:t>Si la distribución es </a:t>
             </a:r>
             <a:r>
-              <a:rPr lang="es-ES" b="1" dirty="0" smtClean="0">
+              <a:rPr lang="es-ES" b="1" dirty="0">
                 <a:solidFill>
                   <a:srgbClr val="FF0000"/>
                 </a:solidFill>
@@ -20736,11 +20502,11 @@
               <a:t>sesgada a la derecha </a:t>
             </a:r>
             <a:r>
-              <a:rPr lang="es-ES" dirty="0" smtClean="0"/>
+              <a:rPr lang="es-ES" dirty="0"/>
               <a:t>(se llama sesgo </a:t>
             </a:r>
             <a:r>
-              <a:rPr lang="es-ES" b="1" dirty="0" smtClean="0">
+              <a:rPr lang="es-ES" b="1" dirty="0">
                 <a:solidFill>
                   <a:srgbClr val="FF0000"/>
                 </a:solidFill>
@@ -20748,20 +20514,20 @@
               <a:t>positivo</a:t>
             </a:r>
             <a:r>
-              <a:rPr lang="es-ES" dirty="0" smtClean="0"/>
+              <a:rPr lang="es-ES" dirty="0"/>
               <a:t>), entonces la mediana está a la derecha de la moda, y la media aún más a la derecha.</a:t>
             </a:r>
           </a:p>
           <a:p>
-            <a:endParaRPr lang="es-ES" dirty="0" smtClean="0"/>
-          </a:p>
-          <a:p>
-            <a:r>
-              <a:rPr lang="es-ES" dirty="0" smtClean="0"/>
+            <a:endParaRPr lang="es-ES" dirty="0"/>
+          </a:p>
+          <a:p>
+            <a:r>
+              <a:rPr lang="es-ES" dirty="0"/>
               <a:t>Si la distribución es </a:t>
             </a:r>
             <a:r>
-              <a:rPr lang="es-ES" b="1" dirty="0" smtClean="0">
+              <a:rPr lang="es-ES" b="1" dirty="0">
                 <a:solidFill>
                   <a:srgbClr val="FF0000"/>
                 </a:solidFill>
@@ -20769,11 +20535,11 @@
               <a:t>sesgada a izquierda</a:t>
             </a:r>
             <a:r>
-              <a:rPr lang="es-ES" dirty="0" smtClean="0"/>
+              <a:rPr lang="es-ES" dirty="0"/>
               <a:t> (se llama sesgo </a:t>
             </a:r>
             <a:r>
-              <a:rPr lang="es-ES" b="1" dirty="0" smtClean="0">
+              <a:rPr lang="es-ES" b="1" dirty="0">
                 <a:solidFill>
                   <a:srgbClr val="FF0000"/>
                 </a:solidFill>
@@ -20781,16 +20547,16 @@
               <a:t>negativo</a:t>
             </a:r>
             <a:r>
-              <a:rPr lang="es-ES" dirty="0" smtClean="0"/>
+              <a:rPr lang="es-ES" dirty="0"/>
               <a:t>), entonces la mediana está a la izquierda de la moda, y la media aún más a la izquierda.</a:t>
             </a:r>
           </a:p>
           <a:p>
-            <a:endParaRPr lang="es-ES" dirty="0" smtClean="0"/>
-          </a:p>
-          <a:p>
-            <a:r>
-              <a:rPr lang="es-ES" dirty="0" smtClean="0"/>
+            <a:endParaRPr lang="es-ES" dirty="0"/>
+          </a:p>
+          <a:p>
+            <a:r>
+              <a:rPr lang="es-ES" dirty="0"/>
               <a:t>En distribuciones sesgadas, habitualmente se elige la mediana como valor de centralización, por encontrarse entre medio de la media y la moda.</a:t>
             </a:r>
           </a:p>
@@ -20831,10 +20597,9 @@
           <a:p>
             <a:pPr algn="ctr"/>
             <a:r>
-              <a:rPr lang="es-ES" sz="2400" dirty="0" smtClean="0"/>
+              <a:rPr lang="es-ES" sz="2400" dirty="0"/>
               <a:t>SESGO POSITIVO</a:t>
             </a:r>
-            <a:endParaRPr lang="es-ES" sz="2400" dirty="0"/>
           </a:p>
         </p:txBody>
       </p:sp>
@@ -20873,10 +20638,9 @@
           <a:p>
             <a:pPr algn="ctr"/>
             <a:r>
-              <a:rPr lang="es-ES" sz="2400" dirty="0" smtClean="0"/>
+              <a:rPr lang="es-ES" sz="2400" dirty="0"/>
               <a:t>SESGO NEGATIVO</a:t>
             </a:r>
-            <a:endParaRPr lang="es-ES" sz="2400" dirty="0"/>
           </a:p>
         </p:txBody>
       </p:sp>
@@ -20888,13 +20652,6 @@
   <p:transition>
     <p:fade/>
   </p:transition>
-  <p:timing>
-    <p:tnLst>
-      <p:par>
-        <p:cTn id="1" dur="indefinite" restart="never" nodeType="tmRoot"/>
-      </p:par>
-    </p:tnLst>
-  </p:timing>
 </p:sld>
 </file>
 
@@ -20947,7 +20704,7 @@
           <a:lstStyle/>
           <a:p>
             <a:r>
-              <a:rPr lang="es-ES" b="1" dirty="0" smtClean="0">
+              <a:rPr lang="es-ES" b="1" dirty="0">
                 <a:solidFill>
                   <a:schemeClr val="tx2">
                     <a:lumMod val="40000"/>
@@ -20995,13 +20752,13 @@
               <a:buChar char="•"/>
             </a:pPr>
             <a:r>
-              <a:rPr lang="es-ES" sz="2800" dirty="0" smtClean="0"/>
+              <a:rPr lang="es-ES" sz="2800" dirty="0"/>
               <a:t>Las medidas descriptivas son muchas y muy variadas, y su cantidad y agrupación varía según el texto seleccionado, si bien los conceptos y fórmulas serán las mismas. En nuestro caso trabajaremos con la agrupación mencionada.</a:t>
             </a:r>
           </a:p>
           <a:p>
             <a:pPr algn="just"/>
-            <a:endParaRPr lang="es-ES" sz="2800" dirty="0" smtClean="0"/>
+            <a:endParaRPr lang="es-ES" sz="2800" dirty="0"/>
           </a:p>
           <a:p>
             <a:pPr algn="just">
@@ -21009,13 +20766,13 @@
               <a:buChar char="•"/>
             </a:pPr>
             <a:r>
-              <a:rPr lang="es-ES" sz="2800" dirty="0" smtClean="0"/>
+              <a:rPr lang="es-ES" sz="2800" dirty="0"/>
               <a:t>Otro aspecto a considerar es que las fórmulas varían si los datos están o no agrupados, y también para datos dados por intervalos de clase. </a:t>
             </a:r>
           </a:p>
           <a:p>
             <a:pPr algn="just"/>
-            <a:endParaRPr lang="es-ES" sz="2800" dirty="0" smtClean="0"/>
+            <a:endParaRPr lang="es-ES" sz="2800" dirty="0"/>
           </a:p>
           <a:p>
             <a:pPr algn="just">
@@ -21023,7 +20780,7 @@
               <a:buChar char="•"/>
             </a:pPr>
             <a:r>
-              <a:rPr lang="es-ES" sz="2800" dirty="0" smtClean="0"/>
+              <a:rPr lang="es-ES" sz="2800" dirty="0"/>
               <a:t>Por último, recordemos que toda medida será un estadístico o un parámetro dependiendo de si trabajamos para una muestra o la población, sus fórmulas pueden variar de uno a otro caso.</a:t>
             </a:r>
             <a:endParaRPr lang="es-ES" dirty="0"/>
@@ -21062,13 +20819,6 @@
   <p:transition>
     <p:fade/>
   </p:transition>
-  <p:timing>
-    <p:tnLst>
-      <p:par>
-        <p:cTn id="1" dur="indefinite" restart="never" nodeType="tmRoot"/>
-      </p:par>
-    </p:tnLst>
-  </p:timing>
 </p:sld>
 </file>
 
@@ -21127,7 +20877,7 @@
           <a:lstStyle/>
           <a:p>
             <a:r>
-              <a:rPr lang="es-ES" b="1" dirty="0" smtClean="0">
+              <a:rPr lang="es-ES" b="1" dirty="0">
                 <a:solidFill>
                   <a:schemeClr val="tx2">
                     <a:lumMod val="40000"/>
@@ -21172,20 +20922,20 @@
           <a:p>
             <a:pPr algn="just"/>
             <a:r>
-              <a:rPr lang="es-ES" sz="1400" dirty="0" smtClean="0"/>
+              <a:rPr lang="es-ES" sz="1400" dirty="0"/>
               <a:t>Extractos del libro LEVIN, Richard; RUBIN, David - Estadística para Administración y Economía (7ma </a:t>
             </a:r>
             <a:r>
-              <a:rPr lang="es-ES" sz="1400" dirty="0" err="1" smtClean="0"/>
+              <a:rPr lang="es-ES" sz="1400" dirty="0" err="1"/>
               <a:t>ed</a:t>
             </a:r>
             <a:r>
-              <a:rPr lang="es-ES" sz="1400" dirty="0" smtClean="0"/>
+              <a:rPr lang="es-ES" sz="1400" dirty="0"/>
               <a:t> revisada)</a:t>
             </a:r>
           </a:p>
           <a:p>
-            <a:endParaRPr lang="es-ES" dirty="0" smtClean="0"/>
+            <a:endParaRPr lang="es-ES" dirty="0"/>
           </a:p>
           <a:p>
             <a:endParaRPr lang="es-ES" dirty="0"/>
@@ -21233,7 +20983,7 @@
               <a:defRPr/>
             </a:pPr>
             <a:r>
-              <a:rPr kumimoji="0" lang="es-ES" sz="4400" b="1" i="0" u="none" strike="noStrike" kern="1200" cap="none" spc="0" normalizeH="0" baseline="0" noProof="0" dirty="0" smtClean="0">
+              <a:rPr kumimoji="0" lang="es-ES" sz="4400" b="1" i="0" u="none" strike="noStrike" kern="1200" cap="none" spc="0" normalizeH="0" baseline="0" noProof="0" dirty="0">
                 <a:ln>
                   <a:noFill/>
                 </a:ln>
@@ -21556,7 +21306,7 @@
           <a:lstStyle/>
           <a:p>
             <a:r>
-              <a:rPr lang="es-ES" b="1" dirty="0" smtClean="0">
+              <a:rPr lang="es-ES" b="1" dirty="0">
                 <a:solidFill>
                   <a:schemeClr val="tx2">
                     <a:lumMod val="40000"/>
@@ -21601,20 +21351,20 @@
           <a:p>
             <a:pPr algn="just"/>
             <a:r>
-              <a:rPr lang="es-ES" sz="1400" dirty="0" smtClean="0"/>
+              <a:rPr lang="es-ES" sz="1400" dirty="0"/>
               <a:t>Extractos del libro LEVIN, Richard; RUBIN, David - Estadística para Administración y Economía (7ma </a:t>
             </a:r>
             <a:r>
-              <a:rPr lang="es-ES" sz="1400" dirty="0" err="1" smtClean="0"/>
+              <a:rPr lang="es-ES" sz="1400" dirty="0" err="1"/>
               <a:t>ed</a:t>
             </a:r>
             <a:r>
-              <a:rPr lang="es-ES" sz="1400" dirty="0" smtClean="0"/>
+              <a:rPr lang="es-ES" sz="1400" dirty="0"/>
               <a:t> revisada)</a:t>
             </a:r>
           </a:p>
           <a:p>
-            <a:endParaRPr lang="es-ES" dirty="0" smtClean="0"/>
+            <a:endParaRPr lang="es-ES" dirty="0"/>
           </a:p>
           <a:p>
             <a:endParaRPr lang="es-ES" dirty="0"/>
@@ -21662,7 +21412,7 @@
               <a:defRPr/>
             </a:pPr>
             <a:r>
-              <a:rPr kumimoji="0" lang="es-ES" sz="4400" b="1" i="0" u="none" strike="noStrike" kern="1200" cap="none" spc="0" normalizeH="0" baseline="0" noProof="0" dirty="0" smtClean="0">
+              <a:rPr kumimoji="0" lang="es-ES" sz="4400" b="1" i="0" u="none" strike="noStrike" kern="1200" cap="none" spc="0" normalizeH="0" baseline="0" noProof="0" dirty="0">
                 <a:ln>
                   <a:noFill/>
                 </a:ln>
@@ -21979,7 +21729,7 @@
           <a:lstStyle/>
           <a:p>
             <a:r>
-              <a:rPr lang="es-ES" b="1" dirty="0" smtClean="0">
+              <a:rPr lang="es-ES" b="1" dirty="0">
                 <a:solidFill>
                   <a:schemeClr val="tx2">
                     <a:lumMod val="40000"/>
@@ -22035,14 +21785,14 @@
           <a:p>
             <a:pPr algn="just"/>
             <a:r>
-              <a:rPr lang="es-ES" sz="2000" dirty="0" smtClean="0"/>
+              <a:rPr lang="es-ES" sz="2000" dirty="0"/>
               <a:t>Tres curvas con la misma media, pero distinta dispersión.</a:t>
             </a:r>
           </a:p>
           <a:p>
             <a:pPr algn="just"/>
             <a:r>
-              <a:rPr lang="es-ES" sz="2000" dirty="0" smtClean="0"/>
+              <a:rPr lang="es-ES" sz="2000" dirty="0"/>
               <a:t>Con las medidas de dispersión analizaremos cómo se distribuyen y varían los datos alrededor del valor central.</a:t>
             </a:r>
           </a:p>
@@ -22153,13 +21903,6 @@
   <p:transition>
     <p:fade/>
   </p:transition>
-  <p:timing>
-    <p:tnLst>
-      <p:par>
-        <p:cTn id="1" dur="indefinite" restart="never" nodeType="tmRoot"/>
-      </p:par>
-    </p:tnLst>
-  </p:timing>
 </p:sld>
 </file>
 
@@ -22212,7 +21955,7 @@
           <a:lstStyle/>
           <a:p>
             <a:r>
-              <a:rPr lang="es-ES" b="1" dirty="0" smtClean="0">
+              <a:rPr lang="es-ES" b="1" dirty="0">
                 <a:solidFill>
                   <a:schemeClr val="tx2">
                     <a:lumMod val="40000"/>
@@ -22327,10 +22070,9 @@
           <a:p>
             <a:pPr algn="ctr"/>
             <a:r>
-              <a:rPr lang="es-ES" sz="2000" dirty="0" smtClean="0"/>
+              <a:rPr lang="es-ES" sz="2000" dirty="0"/>
               <a:t>Es la diferencia entre el valor máximo y el valor mínimo de los observados.</a:t>
             </a:r>
-            <a:endParaRPr lang="es-ES" sz="2000" dirty="0"/>
           </a:p>
         </p:txBody>
       </p:sp>
@@ -22342,13 +22084,6 @@
   <p:transition>
     <p:fade/>
   </p:transition>
-  <p:timing>
-    <p:tnLst>
-      <p:par>
-        <p:cTn id="1" dur="indefinite" restart="never" nodeType="tmRoot"/>
-      </p:par>
-    </p:tnLst>
-  </p:timing>
 </p:sld>
 </file>
 
@@ -22401,7 +22136,7 @@
           <a:lstStyle/>
           <a:p>
             <a:r>
-              <a:rPr lang="es-ES" b="1" dirty="0" smtClean="0">
+              <a:rPr lang="es-ES" b="1" dirty="0">
                 <a:solidFill>
                   <a:schemeClr val="tx2">
                     <a:lumMod val="40000"/>
@@ -22481,10 +22216,9 @@
           <a:p>
             <a:pPr algn="ctr"/>
             <a:r>
-              <a:rPr lang="es-ES" sz="2000" dirty="0" smtClean="0"/>
+              <a:rPr lang="es-ES" sz="2000" dirty="0"/>
               <a:t>Nótese que, a pesar de que las dos expresiones de la fórmula son equivalentes y llevarán al mismo resultado, tendremos que armar distintas columnas en tablas para obtener la varianza a partir de una u otra expresión.</a:t>
             </a:r>
-            <a:endParaRPr lang="es-ES" sz="2000" dirty="0"/>
           </a:p>
         </p:txBody>
       </p:sp>
@@ -22531,13 +22265,6 @@
   <p:transition>
     <p:fade/>
   </p:transition>
-  <p:timing>
-    <p:tnLst>
-      <p:par>
-        <p:cTn id="1" dur="indefinite" restart="never" nodeType="tmRoot"/>
-      </p:par>
-    </p:tnLst>
-  </p:timing>
 </p:sld>
 </file>
 
@@ -22590,7 +22317,7 @@
           <a:lstStyle/>
           <a:p>
             <a:r>
-              <a:rPr lang="es-ES" b="1" dirty="0" smtClean="0">
+              <a:rPr lang="es-ES" b="1" dirty="0">
                 <a:solidFill>
                   <a:schemeClr val="tx2">
                     <a:lumMod val="40000"/>
@@ -22608,7 +22335,7 @@
               <a:t>Desviación</a:t>
             </a:r>
             <a:r>
-              <a:rPr lang="es-ES" sz="4000" b="1" dirty="0" smtClean="0">
+              <a:rPr lang="es-ES" sz="4000" b="1" dirty="0">
                 <a:solidFill>
                   <a:schemeClr val="tx2">
                     <a:lumMod val="40000"/>
@@ -22688,25 +22415,24 @@
           <a:p>
             <a:pPr algn="ctr"/>
             <a:r>
-              <a:rPr lang="es-ES" sz="2000" dirty="0" smtClean="0"/>
+              <a:rPr lang="es-ES" sz="2000" dirty="0"/>
               <a:t>La desviación estándar (o desviación típica) de la población, es simplemente la raíz cuadrada de la varianza de la población.</a:t>
             </a:r>
           </a:p>
           <a:p>
             <a:pPr algn="ctr"/>
             <a:r>
-              <a:rPr lang="es-ES" sz="2000" dirty="0" smtClean="0"/>
+              <a:rPr lang="es-ES" sz="2000" dirty="0"/>
               <a:t>Es un muy buen estimador para saber dónde están localizados los valores de una distribución con relación a la media. Analizaremos esto más adelante cuando veamos el Teorema de </a:t>
             </a:r>
             <a:r>
-              <a:rPr lang="es-ES" sz="2000" dirty="0" err="1" smtClean="0"/>
+              <a:rPr lang="es-ES" sz="2000" dirty="0" err="1"/>
               <a:t>Chebyshev</a:t>
             </a:r>
             <a:r>
-              <a:rPr lang="es-ES" sz="2000" dirty="0" smtClean="0"/>
+              <a:rPr lang="es-ES" sz="2000" dirty="0"/>
               <a:t>.</a:t>
             </a:r>
-            <a:endParaRPr lang="es-ES" sz="2000" dirty="0"/>
           </a:p>
         </p:txBody>
       </p:sp>
@@ -22753,13 +22479,6 @@
   <p:transition>
     <p:fade/>
   </p:transition>
-  <p:timing>
-    <p:tnLst>
-      <p:par>
-        <p:cTn id="1" dur="indefinite" restart="never" nodeType="tmRoot"/>
-      </p:par>
-    </p:tnLst>
-  </p:timing>
 </p:sld>
 </file>
 
@@ -22818,7 +22537,7 @@
           <a:lstStyle/>
           <a:p>
             <a:r>
-              <a:rPr lang="es-ES" sz="3200" b="1" dirty="0" smtClean="0">
+              <a:rPr lang="es-ES" sz="3200" b="1" dirty="0">
                 <a:solidFill>
                   <a:schemeClr val="tx2">
                     <a:lumMod val="40000"/>
@@ -22863,20 +22582,20 @@
           <a:p>
             <a:pPr algn="just"/>
             <a:r>
-              <a:rPr lang="es-ES" sz="1400" dirty="0" smtClean="0"/>
+              <a:rPr lang="es-ES" sz="1400" dirty="0"/>
               <a:t>Extractos del libro LEVIN, Richard; RUBIN, David - Estadística para Administración y Economía (7ma </a:t>
             </a:r>
             <a:r>
-              <a:rPr lang="es-ES" sz="1400" dirty="0" err="1" smtClean="0"/>
+              <a:rPr lang="es-ES" sz="1400" dirty="0" err="1"/>
               <a:t>ed</a:t>
             </a:r>
             <a:r>
-              <a:rPr lang="es-ES" sz="1400" dirty="0" smtClean="0"/>
+              <a:rPr lang="es-ES" sz="1400" dirty="0"/>
               <a:t> revisada)</a:t>
             </a:r>
           </a:p>
           <a:p>
-            <a:endParaRPr lang="es-ES" dirty="0" smtClean="0"/>
+            <a:endParaRPr lang="es-ES" dirty="0"/>
           </a:p>
           <a:p>
             <a:endParaRPr lang="es-ES" dirty="0"/>
@@ -22924,7 +22643,7 @@
               <a:defRPr/>
             </a:pPr>
             <a:r>
-              <a:rPr kumimoji="0" lang="es-ES" sz="4400" b="1" i="0" u="none" strike="noStrike" kern="1200" cap="none" spc="0" normalizeH="0" baseline="0" noProof="0" dirty="0" smtClean="0">
+              <a:rPr kumimoji="0" lang="es-ES" sz="4400" b="1" i="0" u="none" strike="noStrike" kern="1200" cap="none" spc="0" normalizeH="0" baseline="0" noProof="0" dirty="0">
                 <a:ln>
                   <a:noFill/>
                 </a:ln>
@@ -23014,17 +22733,17 @@
           <a:p>
             <a:pPr algn="just"/>
             <a:r>
-              <a:rPr lang="es-ES" sz="2800" dirty="0" smtClean="0"/>
+              <a:rPr lang="es-ES" sz="2800" dirty="0"/>
               <a:t>Para resolver este ejercicio vamos a armar unas columnas que nos permitan calcular las desviaciones y las desviaciones al cuadrado (para usar la primera versión de la fórmula). También agregaremos una columna para las medidas al cuadrado, para usar la otra versión de la fórmula. No es que uno tenga que hacer esto todas las veces, cada alumno elegirá qué versión de la fórmula le resulta más práctica.</a:t>
             </a:r>
           </a:p>
           <a:p>
             <a:pPr algn="just"/>
-            <a:endParaRPr lang="es-ES" sz="2800" dirty="0" smtClean="0"/>
+            <a:endParaRPr lang="es-ES" sz="2800" dirty="0"/>
           </a:p>
           <a:p>
             <a:pPr algn="just"/>
-            <a:endParaRPr lang="es-ES" sz="2800" dirty="0" smtClean="0"/>
+            <a:endParaRPr lang="es-ES" sz="2800" dirty="0"/>
           </a:p>
         </p:txBody>
       </p:sp>
@@ -23330,7 +23049,7 @@
               <a:defRPr/>
             </a:pPr>
             <a:r>
-              <a:rPr kumimoji="0" lang="es-ES" sz="3200" b="1" i="0" u="none" strike="noStrike" kern="1200" cap="none" spc="0" normalizeH="0" baseline="0" noProof="0" dirty="0" smtClean="0">
+              <a:rPr kumimoji="0" lang="es-ES" sz="3200" b="1" i="0" u="none" strike="noStrike" kern="1200" cap="none" spc="0" normalizeH="0" baseline="0" noProof="0" dirty="0">
                 <a:ln>
                   <a:noFill/>
                 </a:ln>
@@ -23500,13 +23219,6 @@
   <p:transition>
     <p:fade/>
   </p:transition>
-  <p:timing>
-    <p:tnLst>
-      <p:par>
-        <p:cTn id="1" dur="indefinite" restart="never" nodeType="tmRoot"/>
-      </p:par>
-    </p:tnLst>
-  </p:timing>
 </p:sld>
 </file>
 
@@ -23583,7 +23295,7 @@
           <a:lstStyle/>
           <a:p>
             <a:r>
-              <a:rPr lang="es-ES" b="1" dirty="0" smtClean="0">
+              <a:rPr lang="es-ES" b="1" dirty="0">
                 <a:solidFill>
                   <a:schemeClr val="tx2">
                     <a:lumMod val="40000"/>
@@ -23628,34 +23340,34 @@
           <a:p>
             <a:pPr algn="just"/>
             <a:r>
-              <a:rPr lang="es-ES" sz="2000" dirty="0" smtClean="0"/>
+              <a:rPr lang="es-ES" sz="2000" dirty="0"/>
               <a:t>Es una medida de dispersión relativa que se utiliza cuando se quiere comparar el grado de dispersión de dos distribuciones que no vienen dadas en las mismas unidades o en las cuales las medias no son iguales.</a:t>
             </a:r>
           </a:p>
           <a:p>
             <a:pPr algn="just"/>
             <a:r>
-              <a:rPr lang="es-ES" sz="2000" dirty="0" smtClean="0"/>
+              <a:rPr lang="es-ES" sz="2000" dirty="0"/>
               <a:t>Se halla como el cociente entre la desviación típica y el valor absoluto de la media aritmética. </a:t>
             </a:r>
           </a:p>
           <a:p>
             <a:pPr algn="just"/>
             <a:r>
-              <a:rPr lang="es-ES" sz="2000" dirty="0" smtClean="0"/>
+              <a:rPr lang="es-ES" sz="2000" dirty="0"/>
               <a:t>Si los datos son muy heterogéneos obtendremos un valor mayor del coeficiente de variación, y si son homogéneos obtendremos un valor menor del coeficiente de variación.</a:t>
             </a:r>
           </a:p>
           <a:p>
             <a:pPr algn="just"/>
             <a:r>
-              <a:rPr lang="es-ES" sz="2000" dirty="0" smtClean="0"/>
+              <a:rPr lang="es-ES" sz="2000" dirty="0"/>
               <a:t>Si la media aritmética se encuentra muy cerca de cero el coeficiente de variación da un valor muy grande y carece de sentido.</a:t>
             </a:r>
           </a:p>
           <a:p>
             <a:pPr algn="just"/>
-            <a:endParaRPr lang="es-ES" sz="2000" dirty="0" smtClean="0"/>
+            <a:endParaRPr lang="es-ES" sz="2000" dirty="0"/>
           </a:p>
         </p:txBody>
       </p:sp>
@@ -23712,13 +23424,6 @@
   <p:transition>
     <p:fade/>
   </p:transition>
-  <p:timing>
-    <p:tnLst>
-      <p:par>
-        <p:cTn id="1" dur="indefinite" restart="never" nodeType="tmRoot"/>
-      </p:par>
-    </p:tnLst>
-  </p:timing>
 </p:sld>
 </file>
 
@@ -23771,7 +23476,7 @@
           <a:lstStyle/>
           <a:p>
             <a:r>
-              <a:rPr lang="es-ES" sz="4000" b="1" dirty="0" smtClean="0">
+              <a:rPr lang="es-ES" sz="4000" b="1" dirty="0">
                 <a:solidFill>
                   <a:schemeClr val="tx2">
                     <a:lumMod val="40000"/>
@@ -23789,7 +23494,7 @@
               <a:t>Teorema de </a:t>
             </a:r>
             <a:r>
-              <a:rPr lang="es-ES" sz="4000" b="1" dirty="0" err="1" smtClean="0">
+              <a:rPr lang="es-ES" sz="4000" b="1" dirty="0" err="1">
                 <a:solidFill>
                   <a:schemeClr val="tx2">
                     <a:lumMod val="40000"/>
@@ -23974,35 +23679,34 @@
           <a:p>
             <a:pPr algn="ctr"/>
             <a:r>
-              <a:rPr lang="es-ES" sz="2000" dirty="0" smtClean="0"/>
+              <a:rPr lang="es-ES" sz="2000" dirty="0"/>
               <a:t>RECUERDE:</a:t>
             </a:r>
           </a:p>
           <a:p>
             <a:pPr algn="ctr"/>
-            <a:endParaRPr lang="es-ES" sz="1400" dirty="0" smtClean="0"/>
+            <a:endParaRPr lang="es-ES" sz="1400" dirty="0"/>
           </a:p>
           <a:p>
             <a:pPr algn="ctr"/>
             <a:r>
-              <a:rPr lang="es-ES" sz="2000" b="1" dirty="0" smtClean="0"/>
+              <a:rPr lang="es-ES" sz="2000" b="1" dirty="0"/>
               <a:t>68.0 %</a:t>
             </a:r>
           </a:p>
           <a:p>
             <a:pPr algn="ctr"/>
             <a:r>
-              <a:rPr lang="es-ES" sz="2000" b="1" dirty="0" smtClean="0"/>
+              <a:rPr lang="es-ES" sz="2000" b="1" dirty="0"/>
               <a:t>95.0 %</a:t>
             </a:r>
           </a:p>
           <a:p>
             <a:pPr algn="ctr"/>
             <a:r>
-              <a:rPr lang="es-ES" sz="2000" b="1" dirty="0" smtClean="0"/>
+              <a:rPr lang="es-ES" sz="2000" b="1" dirty="0"/>
               <a:t>99.7 %</a:t>
             </a:r>
-            <a:endParaRPr lang="es-ES" sz="2000" b="1" dirty="0"/>
           </a:p>
         </p:txBody>
       </p:sp>
@@ -24014,13 +23718,6 @@
   <p:transition>
     <p:fade/>
   </p:transition>
-  <p:timing>
-    <p:tnLst>
-      <p:par>
-        <p:cTn id="1" dur="indefinite" restart="never" nodeType="tmRoot"/>
-      </p:par>
-    </p:tnLst>
-  </p:timing>
 </p:sld>
 </file>
 
@@ -24073,7 +23770,7 @@
           <a:lstStyle/>
           <a:p>
             <a:r>
-              <a:rPr lang="es-ES" b="1" dirty="0" smtClean="0">
+              <a:rPr lang="es-ES" b="1" dirty="0">
                 <a:solidFill>
                   <a:schemeClr val="tx2">
                     <a:lumMod val="40000"/>
@@ -24118,13 +23815,13 @@
           <a:p>
             <a:pPr algn="just"/>
             <a:r>
-              <a:rPr lang="es-ES" sz="2800" dirty="0" smtClean="0"/>
+              <a:rPr lang="es-ES" sz="2800" dirty="0"/>
               <a:t>Sirven para localizar el centro de una distribución.</a:t>
             </a:r>
           </a:p>
           <a:p>
             <a:pPr algn="just"/>
-            <a:endParaRPr lang="es-ES" sz="2800" dirty="0" smtClean="0"/>
+            <a:endParaRPr lang="es-ES" sz="2800" dirty="0"/>
           </a:p>
         </p:txBody>
       </p:sp>
@@ -24198,10 +23895,9 @@
           <a:p>
             <a:pPr algn="ctr"/>
             <a:r>
-              <a:rPr lang="es-ES" dirty="0" smtClean="0"/>
+              <a:rPr lang="es-ES" dirty="0"/>
               <a:t>CENTRO</a:t>
             </a:r>
-            <a:endParaRPr lang="es-ES" dirty="0"/>
           </a:p>
         </p:txBody>
       </p:sp>
@@ -24315,6 +24011,36 @@
           </a:graphicData>
         </a:graphic>
       </p:graphicFrame>
+      <p:pic>
+        <p:nvPicPr>
+          <p:cNvPr id="7" name="Imagen 6">
+            <a:extLst>
+              <a:ext uri="{FF2B5EF4-FFF2-40B4-BE49-F238E27FC236}">
+                <a16:creationId xmlns:a16="http://schemas.microsoft.com/office/drawing/2014/main" id="{CF5A8278-7469-C350-99FA-CCEB1C5A6A02}"/>
+              </a:ext>
+            </a:extLst>
+          </p:cNvPr>
+          <p:cNvPicPr>
+            <a:picLocks noChangeAspect="1"/>
+          </p:cNvPicPr>
+          <p:nvPr/>
+        </p:nvPicPr>
+        <p:blipFill>
+          <a:blip r:embed="rId9"/>
+          <a:stretch>
+            <a:fillRect/>
+          </a:stretch>
+        </p:blipFill>
+        <p:spPr>
+          <a:xfrm>
+            <a:off x="-755145" y="2539008"/>
+            <a:ext cx="2028825" cy="590550"/>
+          </a:xfrm>
+          <a:prstGeom prst="rect">
+            <a:avLst/>
+          </a:prstGeom>
+        </p:spPr>
+      </p:pic>
     </p:spTree>
   </p:cSld>
   <p:clrMapOvr>
@@ -24323,13 +24049,6 @@
   <p:transition>
     <p:fade/>
   </p:transition>
-  <p:timing>
-    <p:tnLst>
-      <p:par>
-        <p:cTn id="1" dur="indefinite" restart="never" nodeType="tmRoot"/>
-      </p:par>
-    </p:tnLst>
-  </p:timing>
 </p:sld>
 </file>
 
@@ -24388,7 +24107,7 @@
           <a:lstStyle/>
           <a:p>
             <a:r>
-              <a:rPr lang="es-ES" b="1" dirty="0" smtClean="0">
+              <a:rPr lang="es-ES" b="1" dirty="0">
                 <a:solidFill>
                   <a:schemeClr val="tx2">
                     <a:lumMod val="40000"/>
@@ -24406,7 +24125,7 @@
               <a:t>Ejercicio 4.23 (T. de </a:t>
             </a:r>
             <a:r>
-              <a:rPr lang="es-ES" b="1" dirty="0" err="1" smtClean="0">
+              <a:rPr lang="es-ES" b="1" dirty="0" err="1">
                 <a:solidFill>
                   <a:schemeClr val="tx2">
                     <a:lumMod val="40000"/>
@@ -24424,7 +24143,7 @@
               <a:t>Chebyshev</a:t>
             </a:r>
             <a:r>
-              <a:rPr lang="es-ES" b="1" dirty="0" smtClean="0">
+              <a:rPr lang="es-ES" b="1" dirty="0">
                 <a:solidFill>
                   <a:schemeClr val="tx2">
                     <a:lumMod val="40000"/>
@@ -24469,15 +24188,15 @@
           <a:p>
             <a:pPr algn="just"/>
             <a:r>
-              <a:rPr lang="es-ES" sz="1400" dirty="0" smtClean="0"/>
+              <a:rPr lang="es-ES" sz="1400" dirty="0"/>
               <a:t>Extractos del libro MENDENHALL, William; BEAVER, Robert; BEAVER, </a:t>
             </a:r>
             <a:r>
-              <a:rPr lang="es-ES" sz="1400" dirty="0" err="1" smtClean="0"/>
+              <a:rPr lang="es-ES" sz="1400" dirty="0" err="1"/>
               <a:t>Barbara</a:t>
             </a:r>
             <a:r>
-              <a:rPr lang="es-ES" sz="1400" dirty="0" smtClean="0"/>
+              <a:rPr lang="es-ES" sz="1400" dirty="0"/>
               <a:t> - Introducción a la Probabilidad y Estadística</a:t>
             </a:r>
             <a:endParaRPr lang="es-ES" dirty="0"/>
@@ -24727,10 +24446,9 @@
           <a:lstStyle/>
           <a:p>
             <a:r>
-              <a:rPr lang="es-ES" sz="4000" b="1" dirty="0" smtClean="0"/>
+              <a:rPr lang="es-ES" sz="4000" b="1" dirty="0"/>
               <a:t>Lecturas</a:t>
             </a:r>
-            <a:endParaRPr lang="es-ES" sz="4000" b="1" dirty="0"/>
           </a:p>
         </p:txBody>
       </p:sp>
@@ -24758,28 +24476,28 @@
           <a:lstStyle/>
           <a:p>
             <a:r>
-              <a:rPr lang="es-ES" b="1" dirty="0" smtClean="0">
+              <a:rPr lang="es-ES" b="1" dirty="0">
                 <a:solidFill>
                   <a:srgbClr val="FF0000"/>
                 </a:solidFill>
               </a:rPr>
               <a:t>Anderson</a:t>
             </a:r>
-            <a:endParaRPr lang="es-ES" dirty="0" smtClean="0"/>
+            <a:endParaRPr lang="es-ES" dirty="0"/>
           </a:p>
           <a:p>
             <a:pPr>
               <a:buNone/>
             </a:pPr>
             <a:r>
-              <a:rPr lang="es-ES" dirty="0" smtClean="0"/>
+              <a:rPr lang="es-ES" dirty="0"/>
               <a:t>	p.82 (La Estadística en la Práctica)</a:t>
             </a:r>
           </a:p>
           <a:p>
             <a:pPr algn="just"/>
             <a:r>
-              <a:rPr lang="es-ES" b="1" dirty="0" err="1" smtClean="0">
+              <a:rPr lang="es-ES" b="1" dirty="0" err="1">
                 <a:solidFill>
                   <a:srgbClr val="FF0000"/>
                 </a:solidFill>
@@ -24787,7 +24505,7 @@
               <a:t>Triola</a:t>
             </a:r>
             <a:r>
-              <a:rPr lang="es-ES" dirty="0" smtClean="0"/>
+              <a:rPr lang="es-ES" dirty="0"/>
               <a:t> </a:t>
             </a:r>
           </a:p>
@@ -24796,14 +24514,14 @@
               <a:buNone/>
             </a:pPr>
             <a:r>
-              <a:rPr lang="es-ES" dirty="0" smtClean="0"/>
+              <a:rPr lang="es-ES" dirty="0"/>
               <a:t>	p. 85 (Cuadro resumen y explicación sobre sesgos)	</a:t>
             </a:r>
           </a:p>
           <a:p>
             <a:pPr algn="just"/>
             <a:r>
-              <a:rPr lang="es-ES" b="1" dirty="0" err="1" smtClean="0">
+              <a:rPr lang="es-ES" b="1" dirty="0" err="1">
                 <a:solidFill>
                   <a:srgbClr val="FF0000"/>
                 </a:solidFill>
@@ -24811,7 +24529,7 @@
               <a:t>Mendenhall</a:t>
             </a:r>
             <a:r>
-              <a:rPr lang="es-ES" dirty="0" smtClean="0"/>
+              <a:rPr lang="es-ES" dirty="0"/>
               <a:t> </a:t>
             </a:r>
           </a:p>
@@ -24820,22 +24538,22 @@
               <a:buNone/>
             </a:pPr>
             <a:r>
-              <a:rPr lang="es-ES" dirty="0" smtClean="0"/>
+              <a:rPr lang="es-ES" dirty="0"/>
               <a:t>	p. 66 (Sobre la significancia práctica de la desviación estándar. Teorema de </a:t>
             </a:r>
             <a:r>
-              <a:rPr lang="es-ES" dirty="0" err="1" smtClean="0"/>
+              <a:rPr lang="es-ES" dirty="0" err="1"/>
               <a:t>Chebyshev</a:t>
             </a:r>
             <a:r>
-              <a:rPr lang="es-ES" dirty="0" smtClean="0"/>
+              <a:rPr lang="es-ES" dirty="0"/>
               <a:t>)</a:t>
             </a:r>
           </a:p>
           <a:p>
             <a:pPr algn="just"/>
             <a:r>
-              <a:rPr lang="es-ES" b="1" dirty="0" err="1" smtClean="0">
+              <a:rPr lang="es-ES" b="1" dirty="0" err="1">
                 <a:solidFill>
                   <a:srgbClr val="FF0000"/>
                 </a:solidFill>
@@ -24843,7 +24561,7 @@
               <a:t>Levin</a:t>
             </a:r>
             <a:r>
-              <a:rPr lang="es-ES" dirty="0" smtClean="0"/>
+              <a:rPr lang="es-ES" dirty="0"/>
               <a:t> </a:t>
             </a:r>
           </a:p>
@@ -24852,7 +24570,7 @@
               <a:buNone/>
             </a:pPr>
             <a:r>
-              <a:rPr lang="es-ES" dirty="0" smtClean="0"/>
+              <a:rPr lang="es-ES" dirty="0"/>
               <a:t>	p. 58 y 59 (Explicación de los conceptos)</a:t>
             </a:r>
           </a:p>
@@ -24861,7 +24579,7 @@
               <a:buNone/>
             </a:pPr>
             <a:r>
-              <a:rPr lang="es-ES" dirty="0" smtClean="0"/>
+              <a:rPr lang="es-ES" dirty="0"/>
               <a:t>	p. 118 (Repaso de los términos introducidos)</a:t>
             </a:r>
           </a:p>
@@ -24870,7 +24588,7 @@
               <a:buNone/>
             </a:pPr>
             <a:r>
-              <a:rPr lang="es-ES" dirty="0" smtClean="0"/>
+              <a:rPr lang="es-ES" dirty="0"/>
               <a:t>	p. 119 a 121 (Resumen de ecuaciones)</a:t>
             </a:r>
           </a:p>
@@ -24905,13 +24623,6 @@
   <p:clrMapOvr>
     <a:masterClrMapping/>
   </p:clrMapOvr>
-  <p:timing>
-    <p:tnLst>
-      <p:par>
-        <p:cTn id="1" dur="indefinite" restart="never" nodeType="tmRoot"/>
-      </p:par>
-    </p:tnLst>
-  </p:timing>
 </p:sld>
 </file>
 
@@ -24964,7 +24675,7 @@
           <a:lstStyle/>
           <a:p>
             <a:r>
-              <a:rPr lang="es-ES" b="1" dirty="0" smtClean="0">
+              <a:rPr lang="es-ES" b="1" dirty="0">
                 <a:solidFill>
                   <a:schemeClr val="tx2">
                     <a:lumMod val="40000"/>
@@ -25009,20 +24720,20 @@
           <a:p>
             <a:pPr algn="just"/>
             <a:r>
-              <a:rPr lang="es-ES" sz="1400" dirty="0" smtClean="0"/>
+              <a:rPr lang="es-ES" sz="1400" dirty="0"/>
               <a:t>Extractos del libro LEVIN, Richard; RUBIN, David - Estadística para Administración y Economía (7ma </a:t>
             </a:r>
             <a:r>
-              <a:rPr lang="es-ES" sz="1400" dirty="0" err="1" smtClean="0"/>
+              <a:rPr lang="es-ES" sz="1400" dirty="0" err="1"/>
               <a:t>ed</a:t>
             </a:r>
             <a:r>
-              <a:rPr lang="es-ES" sz="1400" dirty="0" smtClean="0"/>
+              <a:rPr lang="es-ES" sz="1400" dirty="0"/>
               <a:t> revisada)</a:t>
             </a:r>
           </a:p>
           <a:p>
-            <a:endParaRPr lang="es-ES" dirty="0" smtClean="0"/>
+            <a:endParaRPr lang="es-ES" dirty="0"/>
           </a:p>
           <a:p>
             <a:endParaRPr lang="es-ES" dirty="0"/>
@@ -25136,14 +24847,13 @@
           <a:p>
             <a:pPr algn="ctr"/>
             <a:r>
-              <a:rPr lang="es-ES" sz="2000" b="1" u="sng" dirty="0" smtClean="0"/>
+              <a:rPr lang="es-ES" sz="2000" b="1" u="sng" dirty="0"/>
               <a:t>ADVERTENCIA</a:t>
             </a:r>
             <a:r>
-              <a:rPr lang="es-ES" sz="2000" dirty="0" smtClean="0"/>
+              <a:rPr lang="es-ES" sz="2000" dirty="0"/>
               <a:t>: Si existen valores muy altos o muy bajos respecto a la mayoría, la media aritmética no es representativa del valor central de la muestra.</a:t>
             </a:r>
-            <a:endParaRPr lang="es-ES" sz="2000" dirty="0"/>
           </a:p>
         </p:txBody>
       </p:sp>
@@ -25176,13 +24886,6 @@
   <p:clrMapOvr>
     <a:masterClrMapping/>
   </p:clrMapOvr>
-  <p:timing>
-    <p:tnLst>
-      <p:par>
-        <p:cTn id="1" dur="indefinite" restart="never" nodeType="tmRoot"/>
-      </p:par>
-    </p:tnLst>
-  </p:timing>
 </p:sld>
 </file>
 
@@ -25241,7 +24944,7 @@
           <a:lstStyle/>
           <a:p>
             <a:r>
-              <a:rPr lang="es-ES" b="1" dirty="0" smtClean="0">
+              <a:rPr lang="es-ES" b="1" dirty="0">
                 <a:solidFill>
                   <a:schemeClr val="tx2">
                     <a:lumMod val="40000"/>
@@ -25286,20 +24989,20 @@
           <a:p>
             <a:pPr algn="just"/>
             <a:r>
-              <a:rPr lang="es-ES" sz="1400" dirty="0" smtClean="0"/>
+              <a:rPr lang="es-ES" sz="1400" dirty="0"/>
               <a:t>Extractos del libro LEVIN, Richard; RUBIN, David - Estadística para Administración y Economía (7ma </a:t>
             </a:r>
             <a:r>
-              <a:rPr lang="es-ES" sz="1400" dirty="0" err="1" smtClean="0"/>
+              <a:rPr lang="es-ES" sz="1400" dirty="0" err="1"/>
               <a:t>ed</a:t>
             </a:r>
             <a:r>
-              <a:rPr lang="es-ES" sz="1400" dirty="0" smtClean="0"/>
+              <a:rPr lang="es-ES" sz="1400" dirty="0"/>
               <a:t> revisada)</a:t>
             </a:r>
           </a:p>
           <a:p>
-            <a:endParaRPr lang="es-ES" dirty="0" smtClean="0"/>
+            <a:endParaRPr lang="es-ES" dirty="0"/>
           </a:p>
           <a:p>
             <a:endParaRPr lang="es-ES" dirty="0"/>
@@ -25382,7 +25085,7 @@
               <a:defRPr/>
             </a:pPr>
             <a:r>
-              <a:rPr kumimoji="0" lang="es-ES" sz="4400" b="1" i="0" u="none" strike="noStrike" kern="1200" cap="none" spc="0" normalizeH="0" baseline="0" noProof="0" dirty="0" smtClean="0">
+              <a:rPr kumimoji="0" lang="es-ES" sz="4400" b="1" i="0" u="none" strike="noStrike" kern="1200" cap="none" spc="0" normalizeH="0" baseline="0" noProof="0" dirty="0">
                 <a:ln>
                   <a:noFill/>
                 </a:ln>
@@ -25707,7 +25410,7 @@
           <a:lstStyle/>
           <a:p>
             <a:r>
-              <a:rPr lang="es-ES" sz="4000" b="1" dirty="0" smtClean="0">
+              <a:rPr lang="es-ES" sz="4000" b="1" dirty="0">
                 <a:solidFill>
                   <a:schemeClr val="tx2">
                     <a:lumMod val="40000"/>
@@ -25725,7 +25428,7 @@
               <a:t>Media Aritmética </a:t>
             </a:r>
             <a:br>
-              <a:rPr lang="es-ES" sz="4000" b="1" dirty="0" smtClean="0">
+              <a:rPr lang="es-ES" sz="4000" b="1" dirty="0">
                 <a:solidFill>
                   <a:schemeClr val="tx2">
                     <a:lumMod val="40000"/>
@@ -25742,7 +25445,7 @@
               </a:rPr>
             </a:br>
             <a:r>
-              <a:rPr lang="es-ES" sz="4000" b="1" dirty="0" smtClean="0">
+              <a:rPr lang="es-ES" sz="4000" b="1" dirty="0">
                 <a:solidFill>
                   <a:schemeClr val="tx2">
                     <a:lumMod val="40000"/>
@@ -25787,20 +25490,20 @@
           <a:p>
             <a:pPr algn="just"/>
             <a:r>
-              <a:rPr lang="es-ES" sz="1400" dirty="0" smtClean="0"/>
+              <a:rPr lang="es-ES" sz="1400" dirty="0"/>
               <a:t>Extractos del libro LEVIN, Richard; RUBIN, David - Estadística para Administración y Economía (7ma </a:t>
             </a:r>
             <a:r>
-              <a:rPr lang="es-ES" sz="1400" dirty="0" err="1" smtClean="0"/>
+              <a:rPr lang="es-ES" sz="1400" dirty="0" err="1"/>
               <a:t>ed</a:t>
             </a:r>
             <a:r>
-              <a:rPr lang="es-ES" sz="1400" dirty="0" smtClean="0"/>
+              <a:rPr lang="es-ES" sz="1400" dirty="0"/>
               <a:t> revisada)</a:t>
             </a:r>
           </a:p>
           <a:p>
-            <a:endParaRPr lang="es-ES" dirty="0" smtClean="0"/>
+            <a:endParaRPr lang="es-ES" dirty="0"/>
           </a:p>
           <a:p>
             <a:endParaRPr lang="es-ES" dirty="0"/>
@@ -25871,13 +25574,6 @@
   <p:clrMapOvr>
     <a:masterClrMapping/>
   </p:clrMapOvr>
-  <p:timing>
-    <p:tnLst>
-      <p:par>
-        <p:cTn id="1" dur="indefinite" restart="never" nodeType="tmRoot"/>
-      </p:par>
-    </p:tnLst>
-  </p:timing>
 </p:sld>
 </file>
 
@@ -25936,7 +25632,7 @@
           <a:lstStyle/>
           <a:p>
             <a:r>
-              <a:rPr lang="es-ES" b="1" dirty="0" smtClean="0">
+              <a:rPr lang="es-ES" b="1" dirty="0">
                 <a:solidFill>
                   <a:schemeClr val="tx2">
                     <a:lumMod val="40000"/>
@@ -25981,20 +25677,20 @@
           <a:p>
             <a:pPr algn="just"/>
             <a:r>
-              <a:rPr lang="es-ES" sz="1400" dirty="0" smtClean="0"/>
+              <a:rPr lang="es-ES" sz="1400" dirty="0"/>
               <a:t>Extractos del libro LEVIN, Richard; RUBIN, David - Estadística para Administración y Economía (7ma </a:t>
             </a:r>
             <a:r>
-              <a:rPr lang="es-ES" sz="1400" dirty="0" err="1" smtClean="0"/>
+              <a:rPr lang="es-ES" sz="1400" dirty="0" err="1"/>
               <a:t>ed</a:t>
             </a:r>
             <a:r>
-              <a:rPr lang="es-ES" sz="1400" dirty="0" smtClean="0"/>
+              <a:rPr lang="es-ES" sz="1400" dirty="0"/>
               <a:t> revisada)</a:t>
             </a:r>
           </a:p>
           <a:p>
-            <a:endParaRPr lang="es-ES" dirty="0" smtClean="0"/>
+            <a:endParaRPr lang="es-ES" dirty="0"/>
           </a:p>
           <a:p>
             <a:endParaRPr lang="es-ES" dirty="0"/>
@@ -26073,10 +25769,9 @@
           <a:p>
             <a:pPr algn="ctr"/>
             <a:r>
-              <a:rPr lang="es-ES" sz="2000" dirty="0" smtClean="0"/>
+              <a:rPr lang="es-ES" sz="2000" dirty="0"/>
               <a:t>Para resolver este ejercicio vamos a tener que calcular el punto medio de cada clase, multiplicar por la frecuencia y utilizar la fórmula [3-3]</a:t>
             </a:r>
-            <a:endParaRPr lang="es-ES" sz="2000" dirty="0"/>
           </a:p>
         </p:txBody>
       </p:sp>
@@ -26109,13 +25804,6 @@
   <p:clrMapOvr>
     <a:masterClrMapping/>
   </p:clrMapOvr>
-  <p:timing>
-    <p:tnLst>
-      <p:par>
-        <p:cTn id="1" dur="indefinite" restart="never" nodeType="tmRoot"/>
-      </p:par>
-    </p:tnLst>
-  </p:timing>
 </p:sld>
 </file>
 
